--- a/FDA Adverse Reactions Final.pptx
+++ b/FDA Adverse Reactions Final.pptx
@@ -5,24 +5,25 @@
     <p:sldMasterId id="2147483711" r:id="rId1"/>
   </p:sldMasterIdLst>
   <p:notesMasterIdLst>
-    <p:notesMasterId r:id="rId17"/>
+    <p:notesMasterId r:id="rId18"/>
   </p:notesMasterIdLst>
   <p:sldIdLst>
     <p:sldId id="256" r:id="rId2"/>
     <p:sldId id="257" r:id="rId3"/>
-    <p:sldId id="268" r:id="rId4"/>
-    <p:sldId id="258" r:id="rId5"/>
-    <p:sldId id="259" r:id="rId6"/>
-    <p:sldId id="270" r:id="rId7"/>
-    <p:sldId id="271" r:id="rId8"/>
-    <p:sldId id="272" r:id="rId9"/>
-    <p:sldId id="273" r:id="rId10"/>
-    <p:sldId id="276" r:id="rId11"/>
-    <p:sldId id="274" r:id="rId12"/>
-    <p:sldId id="275" r:id="rId13"/>
-    <p:sldId id="265" r:id="rId14"/>
-    <p:sldId id="266" r:id="rId15"/>
-    <p:sldId id="267" r:id="rId16"/>
+    <p:sldId id="277" r:id="rId4"/>
+    <p:sldId id="268" r:id="rId5"/>
+    <p:sldId id="258" r:id="rId6"/>
+    <p:sldId id="259" r:id="rId7"/>
+    <p:sldId id="270" r:id="rId8"/>
+    <p:sldId id="271" r:id="rId9"/>
+    <p:sldId id="272" r:id="rId10"/>
+    <p:sldId id="273" r:id="rId11"/>
+    <p:sldId id="276" r:id="rId12"/>
+    <p:sldId id="274" r:id="rId13"/>
+    <p:sldId id="275" r:id="rId14"/>
+    <p:sldId id="265" r:id="rId15"/>
+    <p:sldId id="266" r:id="rId16"/>
+    <p:sldId id="267" r:id="rId17"/>
   </p:sldIdLst>
   <p:sldSz cx="12192000" cy="6858000"/>
   <p:notesSz cx="6858000" cy="9144000"/>
@@ -220,7 +221,7 @@
           <a:p>
             <a:fld id="{9DD57F4F-02AD-1442-A322-FB49D7485669}" type="datetimeFigureOut">
               <a:rPr lang="en-US" smtClean="0"/>
-              <a:t>5/4/25</a:t>
+              <a:t>5/11/25</a:t>
             </a:fld>
             <a:endParaRPr lang="en-US"/>
           </a:p>
@@ -592,7 +593,7 @@
           <a:p>
             <a:fld id="{4E335A9E-1412-0B45-8121-6F3B27E3C082}" type="slidenum">
               <a:rPr lang="en-US" smtClean="0"/>
-              <a:t>11</a:t>
+              <a:t>12</a:t>
             </a:fld>
             <a:endParaRPr lang="en-US"/>
           </a:p>
@@ -679,7 +680,7 @@
           <a:p>
             <a:fld id="{4E335A9E-1412-0B45-8121-6F3B27E3C082}" type="slidenum">
               <a:rPr lang="en-US" smtClean="0"/>
-              <a:t>14</a:t>
+              <a:t>15</a:t>
             </a:fld>
             <a:endParaRPr lang="en-US"/>
           </a:p>
@@ -925,7 +926,7 @@
           <a:p>
             <a:fld id="{EA597BBB-63E0-634B-8FF1-E18C23CBEF0C}" type="datetimeFigureOut">
               <a:rPr lang="en-US" smtClean="0"/>
-              <a:t>5/4/25</a:t>
+              <a:t>5/11/25</a:t>
             </a:fld>
             <a:endParaRPr lang="en-US"/>
           </a:p>
@@ -1257,7 +1258,7 @@
           <a:p>
             <a:fld id="{EA597BBB-63E0-634B-8FF1-E18C23CBEF0C}" type="datetimeFigureOut">
               <a:rPr lang="en-US" smtClean="0"/>
-              <a:t>5/4/25</a:t>
+              <a:t>5/11/25</a:t>
             </a:fld>
             <a:endParaRPr lang="en-US"/>
           </a:p>
@@ -1534,7 +1535,7 @@
           <a:p>
             <a:fld id="{EA597BBB-63E0-634B-8FF1-E18C23CBEF0C}" type="datetimeFigureOut">
               <a:rPr lang="en-US" smtClean="0"/>
-              <a:t>5/4/25</a:t>
+              <a:t>5/11/25</a:t>
             </a:fld>
             <a:endParaRPr lang="en-US"/>
           </a:p>
@@ -2101,7 +2102,7 @@
           <a:p>
             <a:fld id="{EA597BBB-63E0-634B-8FF1-E18C23CBEF0C}" type="datetimeFigureOut">
               <a:rPr lang="en-US" smtClean="0"/>
-              <a:t>5/4/25</a:t>
+              <a:t>5/11/25</a:t>
             </a:fld>
             <a:endParaRPr lang="en-US"/>
           </a:p>
@@ -2378,7 +2379,7 @@
           <a:p>
             <a:fld id="{EA597BBB-63E0-634B-8FF1-E18C23CBEF0C}" type="datetimeFigureOut">
               <a:rPr lang="en-US" smtClean="0"/>
-              <a:t>5/4/25</a:t>
+              <a:t>5/11/25</a:t>
             </a:fld>
             <a:endParaRPr lang="en-US"/>
           </a:p>
@@ -2939,7 +2940,7 @@
           <a:p>
             <a:fld id="{EA597BBB-63E0-634B-8FF1-E18C23CBEF0C}" type="datetimeFigureOut">
               <a:rPr lang="en-US" smtClean="0"/>
-              <a:t>5/4/25</a:t>
+              <a:t>5/11/25</a:t>
             </a:fld>
             <a:endParaRPr lang="en-US"/>
           </a:p>
@@ -3265,7 +3266,7 @@
           <a:p>
             <a:fld id="{EA597BBB-63E0-634B-8FF1-E18C23CBEF0C}" type="datetimeFigureOut">
               <a:rPr lang="en-US" smtClean="0"/>
-              <a:t>5/4/25</a:t>
+              <a:t>5/11/25</a:t>
             </a:fld>
             <a:endParaRPr lang="en-US"/>
           </a:p>
@@ -3441,7 +3442,7 @@
           <a:p>
             <a:fld id="{EA597BBB-63E0-634B-8FF1-E18C23CBEF0C}" type="datetimeFigureOut">
               <a:rPr lang="en-US" smtClean="0"/>
-              <a:t>5/4/25</a:t>
+              <a:t>5/11/25</a:t>
             </a:fld>
             <a:endParaRPr lang="en-US"/>
           </a:p>
@@ -3676,7 +3677,7 @@
           <a:p>
             <a:fld id="{EA597BBB-63E0-634B-8FF1-E18C23CBEF0C}" type="datetimeFigureOut">
               <a:rPr lang="en-US" smtClean="0"/>
-              <a:t>5/4/25</a:t>
+              <a:t>5/11/25</a:t>
             </a:fld>
             <a:endParaRPr lang="en-US"/>
           </a:p>
@@ -3874,7 +3875,7 @@
           <a:p>
             <a:fld id="{EA597BBB-63E0-634B-8FF1-E18C23CBEF0C}" type="datetimeFigureOut">
               <a:rPr lang="en-US" smtClean="0"/>
-              <a:t>5/4/25</a:t>
+              <a:t>5/11/25</a:t>
             </a:fld>
             <a:endParaRPr lang="en-US"/>
           </a:p>
@@ -4149,7 +4150,7 @@
           <a:p>
             <a:fld id="{EA597BBB-63E0-634B-8FF1-E18C23CBEF0C}" type="datetimeFigureOut">
               <a:rPr lang="en-US" smtClean="0"/>
-              <a:t>5/4/25</a:t>
+              <a:t>5/11/25</a:t>
             </a:fld>
             <a:endParaRPr lang="en-US"/>
           </a:p>
@@ -4412,7 +4413,7 @@
           <a:p>
             <a:fld id="{EA597BBB-63E0-634B-8FF1-E18C23CBEF0C}" type="datetimeFigureOut">
               <a:rPr lang="en-US" smtClean="0"/>
-              <a:t>5/4/25</a:t>
+              <a:t>5/11/25</a:t>
             </a:fld>
             <a:endParaRPr lang="en-US"/>
           </a:p>
@@ -4783,7 +4784,7 @@
           <a:p>
             <a:fld id="{EA597BBB-63E0-634B-8FF1-E18C23CBEF0C}" type="datetimeFigureOut">
               <a:rPr lang="en-US" smtClean="0"/>
-              <a:t>5/4/25</a:t>
+              <a:t>5/11/25</a:t>
             </a:fld>
             <a:endParaRPr lang="en-US"/>
           </a:p>
@@ -4930,7 +4931,7 @@
           <a:p>
             <a:fld id="{EA597BBB-63E0-634B-8FF1-E18C23CBEF0C}" type="datetimeFigureOut">
               <a:rPr lang="en-US" smtClean="0"/>
-              <a:t>5/4/25</a:t>
+              <a:t>5/11/25</a:t>
             </a:fld>
             <a:endParaRPr lang="en-US"/>
           </a:p>
@@ -5055,7 +5056,7 @@
           <a:p>
             <a:fld id="{EA597BBB-63E0-634B-8FF1-E18C23CBEF0C}" type="datetimeFigureOut">
               <a:rPr lang="en-US" smtClean="0"/>
-              <a:t>5/4/25</a:t>
+              <a:t>5/11/25</a:t>
             </a:fld>
             <a:endParaRPr lang="en-US"/>
           </a:p>
@@ -5338,7 +5339,7 @@
           <a:p>
             <a:fld id="{EA597BBB-63E0-634B-8FF1-E18C23CBEF0C}" type="datetimeFigureOut">
               <a:rPr lang="en-US" smtClean="0"/>
-              <a:t>5/4/25</a:t>
+              <a:t>5/11/25</a:t>
             </a:fld>
             <a:endParaRPr lang="en-US"/>
           </a:p>
@@ -5660,7 +5661,7 @@
           <a:p>
             <a:fld id="{EA597BBB-63E0-634B-8FF1-E18C23CBEF0C}" type="datetimeFigureOut">
               <a:rPr lang="en-US" smtClean="0"/>
-              <a:t>5/4/25</a:t>
+              <a:t>5/11/25</a:t>
             </a:fld>
             <a:endParaRPr lang="en-US"/>
           </a:p>
@@ -5872,7 +5873,7 @@
           <a:p>
             <a:fld id="{EA597BBB-63E0-634B-8FF1-E18C23CBEF0C}" type="datetimeFigureOut">
               <a:rPr lang="en-US" smtClean="0"/>
-              <a:t>5/4/25</a:t>
+              <a:t>5/11/25</a:t>
             </a:fld>
             <a:endParaRPr lang="en-US"/>
           </a:p>
@@ -6553,6 +6554,294 @@
 <file path=ppt/slides/slide10.xml><?xml version="1.0" encoding="utf-8"?>
 <p:sld xmlns:a="http://schemas.openxmlformats.org/drawingml/2006/main" xmlns:r="http://schemas.openxmlformats.org/officeDocument/2006/relationships" xmlns:p="http://schemas.openxmlformats.org/presentationml/2006/main">
   <p:cSld>
+    <p:bg>
+      <p:bgPr>
+        <a:blipFill>
+          <a:blip r:embed="rId2"/>
+          <a:stretch/>
+        </a:blipFill>
+        <a:effectLst/>
+      </p:bgPr>
+    </p:bg>
+    <p:spTree>
+      <p:nvGrpSpPr>
+        <p:cNvPr id="1" name=""/>
+        <p:cNvGrpSpPr/>
+        <p:nvPr/>
+      </p:nvGrpSpPr>
+      <p:grpSpPr>
+        <a:xfrm>
+          <a:off x="0" y="0"/>
+          <a:ext cx="0" cy="0"/>
+          <a:chOff x="0" y="0"/>
+          <a:chExt cx="0" cy="0"/>
+        </a:xfrm>
+      </p:grpSpPr>
+      <p:sp>
+        <p:nvSpPr>
+          <p:cNvPr id="9" name="Content Placeholder 8">
+            <a:extLst>
+              <a:ext uri="{FF2B5EF4-FFF2-40B4-BE49-F238E27FC236}">
+                <a16:creationId xmlns:a16="http://schemas.microsoft.com/office/drawing/2014/main" id="{1EF39491-9A25-2AB9-0126-864B03FF711B}"/>
+              </a:ext>
+            </a:extLst>
+          </p:cNvPr>
+          <p:cNvSpPr>
+            <a:spLocks noGrp="1"/>
+          </p:cNvSpPr>
+          <p:nvPr>
+            <p:ph idx="1"/>
+          </p:nvPr>
+        </p:nvSpPr>
+        <p:spPr>
+          <a:xfrm>
+            <a:off x="8341029" y="1641987"/>
+            <a:ext cx="3706762" cy="3972232"/>
+          </a:xfrm>
+        </p:spPr>
+        <p:txBody>
+          <a:bodyPr>
+            <a:normAutofit/>
+          </a:bodyPr>
+          <a:lstStyle/>
+          <a:p>
+            <a:r>
+              <a:rPr lang="en-US" dirty="0">
+                <a:effectLst/>
+                <a:latin typeface="Times New Roman" panose="02020603050405020304" pitchFamily="18" charset="0"/>
+                <a:cs typeface="Times New Roman" panose="02020603050405020304" pitchFamily="18" charset="0"/>
+              </a:rPr>
+              <a:t>Acetaminophen (624): Toxicity to various agents</a:t>
+            </a:r>
+          </a:p>
+          <a:p>
+            <a:r>
+              <a:rPr lang="en-US" dirty="0">
+                <a:effectLst/>
+                <a:latin typeface="Times New Roman" panose="02020603050405020304" pitchFamily="18" charset="0"/>
+                <a:cs typeface="Times New Roman" panose="02020603050405020304" pitchFamily="18" charset="0"/>
+              </a:rPr>
+              <a:t>Vedolizumab (542): Off label use</a:t>
+            </a:r>
+          </a:p>
+          <a:p>
+            <a:r>
+              <a:rPr lang="en-US" dirty="0">
+                <a:latin typeface="Times New Roman" panose="02020603050405020304" pitchFamily="18" charset="0"/>
+                <a:cs typeface="Times New Roman" panose="02020603050405020304" pitchFamily="18" charset="0"/>
+              </a:rPr>
+              <a:t>Eliquis (538): Death</a:t>
+            </a:r>
+          </a:p>
+          <a:p>
+            <a:r>
+              <a:rPr lang="en-US" dirty="0">
+                <a:effectLst/>
+                <a:latin typeface="Times New Roman" panose="02020603050405020304" pitchFamily="18" charset="0"/>
+                <a:cs typeface="Times New Roman" panose="02020603050405020304" pitchFamily="18" charset="0"/>
+              </a:rPr>
+              <a:t>Clozapine (505): Neutropenia</a:t>
+            </a:r>
+          </a:p>
+          <a:p>
+            <a:r>
+              <a:rPr lang="en-US" dirty="0">
+                <a:effectLst/>
+                <a:latin typeface="Times New Roman" panose="02020603050405020304" pitchFamily="18" charset="0"/>
+                <a:cs typeface="Times New Roman" panose="02020603050405020304" pitchFamily="18" charset="0"/>
+              </a:rPr>
+              <a:t>Dapagliflozin (497): Death</a:t>
+            </a:r>
+          </a:p>
+          <a:p>
+            <a:r>
+              <a:rPr lang="en-US" dirty="0" err="1">
+                <a:latin typeface="Times New Roman" panose="02020603050405020304" pitchFamily="18" charset="0"/>
+                <a:cs typeface="Times New Roman" panose="02020603050405020304" pitchFamily="18" charset="0"/>
+              </a:rPr>
+              <a:t>Nuplazid</a:t>
+            </a:r>
+            <a:r>
+              <a:rPr lang="en-US" dirty="0">
+                <a:latin typeface="Times New Roman" panose="02020603050405020304" pitchFamily="18" charset="0"/>
+                <a:cs typeface="Times New Roman" panose="02020603050405020304" pitchFamily="18" charset="0"/>
+              </a:rPr>
+              <a:t> (410</a:t>
+            </a:r>
+            <a:r>
+              <a:rPr lang="en-US" b="1" dirty="0">
+                <a:latin typeface="Times New Roman" panose="02020603050405020304" pitchFamily="18" charset="0"/>
+                <a:cs typeface="Times New Roman" panose="02020603050405020304" pitchFamily="18" charset="0"/>
+              </a:rPr>
+              <a:t>): </a:t>
+            </a:r>
+            <a:r>
+              <a:rPr lang="en-US" dirty="0">
+                <a:latin typeface="Times New Roman" panose="02020603050405020304" pitchFamily="18" charset="0"/>
+                <a:cs typeface="Times New Roman" panose="02020603050405020304" pitchFamily="18" charset="0"/>
+              </a:rPr>
+              <a:t>Death</a:t>
+            </a:r>
+            <a:endParaRPr lang="en-US" dirty="0">
+              <a:effectLst/>
+              <a:latin typeface="Times New Roman" panose="02020603050405020304" pitchFamily="18" charset="0"/>
+              <a:cs typeface="Times New Roman" panose="02020603050405020304" pitchFamily="18" charset="0"/>
+            </a:endParaRPr>
+          </a:p>
+          <a:p>
+            <a:endParaRPr lang="en-US" b="0" dirty="0">
+              <a:effectLst/>
+              <a:latin typeface="Times New Roman" panose="02020603050405020304" pitchFamily="18" charset="0"/>
+              <a:cs typeface="Times New Roman" panose="02020603050405020304" pitchFamily="18" charset="0"/>
+            </a:endParaRPr>
+          </a:p>
+          <a:p>
+            <a:endParaRPr lang="en-US" b="0" dirty="0">
+              <a:effectLst/>
+              <a:latin typeface="Times New Roman" panose="02020603050405020304" pitchFamily="18" charset="0"/>
+              <a:cs typeface="Times New Roman" panose="02020603050405020304" pitchFamily="18" charset="0"/>
+            </a:endParaRPr>
+          </a:p>
+          <a:p>
+            <a:endParaRPr lang="en-US" dirty="0">
+              <a:latin typeface="Times New Roman" panose="02020603050405020304" pitchFamily="18" charset="0"/>
+              <a:cs typeface="Times New Roman" panose="02020603050405020304" pitchFamily="18" charset="0"/>
+            </a:endParaRPr>
+          </a:p>
+        </p:txBody>
+      </p:sp>
+      <p:pic>
+        <p:nvPicPr>
+          <p:cNvPr id="6" name="Content Placeholder 4">
+            <a:extLst>
+              <a:ext uri="{FF2B5EF4-FFF2-40B4-BE49-F238E27FC236}">
+                <a16:creationId xmlns:a16="http://schemas.microsoft.com/office/drawing/2014/main" id="{D3996250-5439-3B00-AB8E-FE9B3F928136}"/>
+              </a:ext>
+            </a:extLst>
+          </p:cNvPr>
+          <p:cNvPicPr>
+            <a:picLocks noChangeAspect="1"/>
+          </p:cNvPicPr>
+          <p:nvPr/>
+        </p:nvPicPr>
+        <p:blipFill>
+          <a:blip r:embed="rId3"/>
+          <a:stretch>
+            <a:fillRect/>
+          </a:stretch>
+        </p:blipFill>
+        <p:spPr>
+          <a:xfrm>
+            <a:off x="355035" y="619476"/>
+            <a:ext cx="7671054" cy="5619047"/>
+          </a:xfrm>
+          <a:prstGeom prst="rect">
+            <a:avLst/>
+          </a:prstGeom>
+        </p:spPr>
+      </p:pic>
+      <p:sp>
+        <p:nvSpPr>
+          <p:cNvPr id="2" name="TextBox 1">
+            <a:extLst>
+              <a:ext uri="{FF2B5EF4-FFF2-40B4-BE49-F238E27FC236}">
+                <a16:creationId xmlns:a16="http://schemas.microsoft.com/office/drawing/2014/main" id="{5D9FF954-3A93-084F-12BA-5CF6C65E30BF}"/>
+              </a:ext>
+            </a:extLst>
+          </p:cNvPr>
+          <p:cNvSpPr txBox="1"/>
+          <p:nvPr/>
+        </p:nvSpPr>
+        <p:spPr>
+          <a:xfrm>
+            <a:off x="8341029" y="5791200"/>
+            <a:ext cx="3706762" cy="646331"/>
+          </a:xfrm>
+          <a:prstGeom prst="rect">
+            <a:avLst/>
+          </a:prstGeom>
+          <a:noFill/>
+        </p:spPr>
+        <p:txBody>
+          <a:bodyPr wrap="square" rtlCol="0">
+            <a:spAutoFit/>
+          </a:bodyPr>
+          <a:lstStyle/>
+          <a:p>
+            <a:r>
+              <a:rPr lang="en-US" dirty="0">
+                <a:effectLst/>
+                <a:latin typeface="Times New Roman" panose="02020603050405020304" pitchFamily="18" charset="0"/>
+                <a:cs typeface="Times New Roman" panose="02020603050405020304" pitchFamily="18" charset="0"/>
+              </a:rPr>
+              <a:t>Neutropenia: low levels of Neutrophiles (white blood cells)</a:t>
+            </a:r>
+            <a:endParaRPr lang="en-US" dirty="0">
+              <a:latin typeface="Times New Roman" panose="02020603050405020304" pitchFamily="18" charset="0"/>
+              <a:cs typeface="Times New Roman" panose="02020603050405020304" pitchFamily="18" charset="0"/>
+            </a:endParaRPr>
+          </a:p>
+        </p:txBody>
+      </p:sp>
+      <p:sp>
+        <p:nvSpPr>
+          <p:cNvPr id="7" name="Title 1">
+            <a:extLst>
+              <a:ext uri="{FF2B5EF4-FFF2-40B4-BE49-F238E27FC236}">
+                <a16:creationId xmlns:a16="http://schemas.microsoft.com/office/drawing/2014/main" id="{CBCC9B78-C8AE-E040-7832-539E8E104F42}"/>
+              </a:ext>
+            </a:extLst>
+          </p:cNvPr>
+          <p:cNvSpPr>
+            <a:spLocks noGrp="1"/>
+          </p:cNvSpPr>
+          <p:nvPr>
+            <p:ph type="title"/>
+          </p:nvPr>
+        </p:nvSpPr>
+        <p:spPr>
+          <a:xfrm>
+            <a:off x="8696133" y="343969"/>
+            <a:ext cx="1960145" cy="803133"/>
+          </a:xfrm>
+        </p:spPr>
+        <p:txBody>
+          <a:bodyPr>
+            <a:normAutofit/>
+          </a:bodyPr>
+          <a:lstStyle/>
+          <a:p>
+            <a:r>
+              <a:rPr lang="en-US" b="0" cap="none" dirty="0">
+                <a:effectLst/>
+                <a:latin typeface="Times New Roman" panose="02020603050405020304" pitchFamily="18" charset="0"/>
+                <a:cs typeface="Times New Roman" panose="02020603050405020304" pitchFamily="18" charset="0"/>
+              </a:rPr>
+              <a:t>Heatmap</a:t>
+            </a:r>
+            <a:endParaRPr lang="en-US" cap="none" dirty="0">
+              <a:latin typeface="Times New Roman" panose="02020603050405020304" pitchFamily="18" charset="0"/>
+              <a:cs typeface="Times New Roman" panose="02020603050405020304" pitchFamily="18" charset="0"/>
+            </a:endParaRPr>
+          </a:p>
+        </p:txBody>
+      </p:sp>
+    </p:spTree>
+    <p:extLst>
+      <p:ext uri="{BB962C8B-B14F-4D97-AF65-F5344CB8AC3E}">
+        <p14:creationId xmlns:p14="http://schemas.microsoft.com/office/powerpoint/2010/main" val="376554199"/>
+      </p:ext>
+    </p:extLst>
+  </p:cSld>
+  <p:clrMapOvr>
+    <a:masterClrMapping/>
+  </p:clrMapOvr>
+</p:sld>
+</file>
+
+<file path=ppt/slides/slide11.xml><?xml version="1.0" encoding="utf-8"?>
+<p:sld xmlns:a="http://schemas.openxmlformats.org/drawingml/2006/main" xmlns:r="http://schemas.openxmlformats.org/officeDocument/2006/relationships" xmlns:p="http://schemas.openxmlformats.org/presentationml/2006/main">
+  <p:cSld>
     <p:spTree>
       <p:nvGrpSpPr>
         <p:cNvPr id="1" name=""/>
@@ -6851,7 +7140,7 @@
 </p:sld>
 </file>
 
-<file path=ppt/slides/slide11.xml><?xml version="1.0" encoding="utf-8"?>
+<file path=ppt/slides/slide12.xml><?xml version="1.0" encoding="utf-8"?>
 <p:sld xmlns:a="http://schemas.openxmlformats.org/drawingml/2006/main" xmlns:r="http://schemas.openxmlformats.org/officeDocument/2006/relationships" xmlns:p="http://schemas.openxmlformats.org/presentationml/2006/main">
   <p:cSld>
     <p:spTree>
@@ -7097,7 +7386,7 @@
 </p:sld>
 </file>
 
-<file path=ppt/slides/slide12.xml><?xml version="1.0" encoding="utf-8"?>
+<file path=ppt/slides/slide13.xml><?xml version="1.0" encoding="utf-8"?>
 <p:sld xmlns:a="http://schemas.openxmlformats.org/drawingml/2006/main" xmlns:r="http://schemas.openxmlformats.org/officeDocument/2006/relationships" xmlns:p="http://schemas.openxmlformats.org/presentationml/2006/main">
   <p:cSld>
     <p:bg>
@@ -7398,7 +7687,7 @@
         <p:spPr>
           <a:xfrm>
             <a:off x="6509706" y="1740854"/>
-            <a:ext cx="5682294" cy="5262979"/>
+            <a:ext cx="5682294" cy="3293209"/>
           </a:xfrm>
           <a:prstGeom prst="rect">
             <a:avLst/>
@@ -7427,8 +7716,32 @@
                 <a:tab pos="4267200" algn="l"/>
               </a:tabLst>
             </a:pPr>
-            <a:r>
-              <a:rPr lang="en-US" sz="1600">
+            <a:endParaRPr lang="en-US" sz="1600" dirty="0">
+              <a:effectLst/>
+              <a:latin typeface="Times New Roman" panose="02020603050405020304" pitchFamily="18" charset="0"/>
+              <a:ea typeface="Aptos" panose="020B0004020202020204" pitchFamily="34" charset="0"/>
+              <a:cs typeface="Times New Roman" panose="02020603050405020304" pitchFamily="18" charset="0"/>
+            </a:endParaRPr>
+          </a:p>
+          <a:p>
+            <a:pPr marL="0" marR="0">
+              <a:tabLst>
+                <a:tab pos="355600" algn="l"/>
+                <a:tab pos="711200" algn="l"/>
+                <a:tab pos="1066800" algn="l"/>
+                <a:tab pos="1422400" algn="l"/>
+                <a:tab pos="1778000" algn="l"/>
+                <a:tab pos="2133600" algn="l"/>
+                <a:tab pos="2489200" algn="l"/>
+                <a:tab pos="2844800" algn="l"/>
+                <a:tab pos="3200400" algn="l"/>
+                <a:tab pos="3556000" algn="l"/>
+                <a:tab pos="3911600" algn="l"/>
+                <a:tab pos="4267200" algn="l"/>
+              </a:tabLst>
+            </a:pPr>
+            <a:r>
+              <a:rPr lang="en-US" sz="1600" dirty="0">
                 <a:effectLst/>
                 <a:latin typeface="Times New Roman" panose="02020603050405020304" pitchFamily="18" charset="0"/>
                 <a:ea typeface="Aptos" panose="020B0004020202020204" pitchFamily="34" charset="0"/>
@@ -7437,7 +7750,7 @@
               <a:t>This shows </a:t>
             </a:r>
             <a:r>
-              <a:rPr lang="en-US" sz="1600" b="1">
+              <a:rPr lang="en-US" sz="1600" b="1" dirty="0">
                 <a:effectLst/>
                 <a:latin typeface="Times New Roman" panose="02020603050405020304" pitchFamily="18" charset="0"/>
                 <a:ea typeface="Aptos" panose="020B0004020202020204" pitchFamily="34" charset="0"/>
@@ -7446,7 +7759,7 @@
               <a:t>how much each drug affects the odds of death</a:t>
             </a:r>
             <a:r>
-              <a:rPr lang="en-US" sz="1600">
+              <a:rPr lang="en-US" sz="1600" dirty="0">
                 <a:effectLst/>
                 <a:latin typeface="Times New Roman" panose="02020603050405020304" pitchFamily="18" charset="0"/>
                 <a:ea typeface="Aptos" panose="020B0004020202020204" pitchFamily="34" charset="0"/>
@@ -7454,7 +7767,7 @@
               </a:rPr>
               <a:t>, with:</a:t>
             </a:r>
-            <a:endParaRPr lang="en-US" sz="1600">
+            <a:endParaRPr lang="en-US" sz="1600" dirty="0">
               <a:latin typeface="Times New Roman" panose="02020603050405020304" pitchFamily="18" charset="0"/>
               <a:ea typeface="Aptos" panose="020B0004020202020204" pitchFamily="34" charset="0"/>
               <a:cs typeface="Times New Roman" panose="02020603050405020304" pitchFamily="18" charset="0"/>
@@ -7480,7 +7793,7 @@
               </a:tabLst>
             </a:pPr>
             <a:r>
-              <a:rPr lang="en-US" sz="1600" b="1">
+              <a:rPr lang="en-US" sz="1600" b="1" dirty="0">
                 <a:effectLst/>
                 <a:latin typeface="Times New Roman" panose="02020603050405020304" pitchFamily="18" charset="0"/>
                 <a:ea typeface="Aptos" panose="020B0004020202020204" pitchFamily="34" charset="0"/>
@@ -7489,7 +7802,7 @@
               <a:t>Positive coefficients</a:t>
             </a:r>
             <a:r>
-              <a:rPr lang="en-US" sz="1600">
+              <a:rPr lang="en-US" sz="1600" dirty="0">
                 <a:effectLst/>
                 <a:latin typeface="Times New Roman" panose="02020603050405020304" pitchFamily="18" charset="0"/>
                 <a:ea typeface="Aptos" panose="020B0004020202020204" pitchFamily="34" charset="0"/>
@@ -7498,7 +7811,7 @@
               <a:t> → </a:t>
             </a:r>
             <a:r>
-              <a:rPr lang="en-US" sz="1600" b="1">
+              <a:rPr lang="en-US" sz="1600" b="1" dirty="0">
                 <a:effectLst/>
                 <a:latin typeface="Times New Roman" panose="02020603050405020304" pitchFamily="18" charset="0"/>
                 <a:ea typeface="Aptos" panose="020B0004020202020204" pitchFamily="34" charset="0"/>
@@ -7507,7 +7820,7 @@
               <a:t>increase</a:t>
             </a:r>
             <a:r>
-              <a:rPr lang="en-US" sz="1600">
+              <a:rPr lang="en-US" sz="1600" dirty="0">
                 <a:effectLst/>
                 <a:latin typeface="Times New Roman" panose="02020603050405020304" pitchFamily="18" charset="0"/>
                 <a:ea typeface="Aptos" panose="020B0004020202020204" pitchFamily="34" charset="0"/>
@@ -7515,7 +7828,7 @@
               </a:rPr>
               <a:t> the odds of death</a:t>
             </a:r>
-            <a:endParaRPr lang="en-US" sz="1600">
+            <a:endParaRPr lang="en-US" sz="1600" dirty="0">
               <a:latin typeface="Times New Roman" panose="02020603050405020304" pitchFamily="18" charset="0"/>
               <a:ea typeface="Aptos" panose="020B0004020202020204" pitchFamily="34" charset="0"/>
               <a:cs typeface="Times New Roman" panose="02020603050405020304" pitchFamily="18" charset="0"/>
@@ -7541,7 +7854,7 @@
               </a:tabLst>
             </a:pPr>
             <a:r>
-              <a:rPr lang="en-US" sz="1600" b="1">
+              <a:rPr lang="en-US" sz="1600" b="1" dirty="0">
                 <a:effectLst/>
                 <a:latin typeface="Times New Roman" panose="02020603050405020304" pitchFamily="18" charset="0"/>
                 <a:ea typeface="Aptos" panose="020B0004020202020204" pitchFamily="34" charset="0"/>
@@ -7550,7 +7863,7 @@
               <a:t>Negative coefficients</a:t>
             </a:r>
             <a:r>
-              <a:rPr lang="en-US" sz="1600">
+              <a:rPr lang="en-US" sz="1600" dirty="0">
                 <a:effectLst/>
                 <a:latin typeface="Times New Roman" panose="02020603050405020304" pitchFamily="18" charset="0"/>
                 <a:ea typeface="Aptos" panose="020B0004020202020204" pitchFamily="34" charset="0"/>
@@ -7559,7 +7872,7 @@
               <a:t> → </a:t>
             </a:r>
             <a:r>
-              <a:rPr lang="en-US" sz="1600" b="1">
+              <a:rPr lang="en-US" sz="1600" b="1" dirty="0">
                 <a:effectLst/>
                 <a:latin typeface="Times New Roman" panose="02020603050405020304" pitchFamily="18" charset="0"/>
                 <a:ea typeface="Aptos" panose="020B0004020202020204" pitchFamily="34" charset="0"/>
@@ -7568,7 +7881,7 @@
               <a:t>decrease</a:t>
             </a:r>
             <a:r>
-              <a:rPr lang="en-US" sz="1600">
+              <a:rPr lang="en-US" sz="1600" dirty="0">
                 <a:effectLst/>
                 <a:latin typeface="Times New Roman" panose="02020603050405020304" pitchFamily="18" charset="0"/>
                 <a:ea typeface="Aptos" panose="020B0004020202020204" pitchFamily="34" charset="0"/>
@@ -7594,7 +7907,7 @@
                 <a:tab pos="4267200" algn="l"/>
               </a:tabLst>
             </a:pPr>
-            <a:endParaRPr lang="en-US" sz="1600">
+            <a:endParaRPr lang="en-US" sz="1600" dirty="0">
               <a:effectLst/>
               <a:latin typeface="Times New Roman" panose="02020603050405020304" pitchFamily="18" charset="0"/>
               <a:ea typeface="Aptos" panose="020B0004020202020204" pitchFamily="34" charset="0"/>
@@ -7619,7 +7932,7 @@
               </a:tabLst>
             </a:pPr>
             <a:r>
-              <a:rPr lang="en-US" sz="1600">
+              <a:rPr lang="en-US" sz="1600" dirty="0">
                 <a:effectLst/>
                 <a:latin typeface="Times New Roman" panose="02020603050405020304" pitchFamily="18" charset="0"/>
                 <a:ea typeface="Aptos" panose="020B0004020202020204" pitchFamily="34" charset="0"/>
@@ -7627,7 +7940,7 @@
               </a:rPr>
               <a:t>Drugs with Highest Positive Coefficients (↑ Death Odds):</a:t>
             </a:r>
-            <a:endParaRPr lang="en-US" sz="1600">
+            <a:endParaRPr lang="en-US" sz="1600" dirty="0">
               <a:effectLst/>
               <a:latin typeface="Times New Roman" panose="02020603050405020304" pitchFamily="18" charset="0"/>
               <a:ea typeface="Times New Roman" panose="02020603050405020304" pitchFamily="18" charset="0"/>
@@ -7654,7 +7967,7 @@
               </a:tabLst>
             </a:pPr>
             <a:r>
-              <a:rPr lang="en-US" sz="1600" b="1">
+              <a:rPr lang="en-US" sz="1600" b="1" dirty="0">
                 <a:effectLst/>
                 <a:latin typeface="Times New Roman" panose="02020603050405020304" pitchFamily="18" charset="0"/>
                 <a:ea typeface="Aptos" panose="020B0004020202020204" pitchFamily="34" charset="0"/>
@@ -7663,7 +7976,7 @@
               <a:t>Eliquis</a:t>
             </a:r>
             <a:r>
-              <a:rPr lang="en-US" sz="1600">
+              <a:rPr lang="en-US" sz="1600" dirty="0">
                 <a:effectLst/>
                 <a:latin typeface="Times New Roman" panose="02020603050405020304" pitchFamily="18" charset="0"/>
                 <a:ea typeface="Aptos" panose="020B0004020202020204" pitchFamily="34" charset="0"/>
@@ -7672,7 +7985,7 @@
               <a:t>, </a:t>
             </a:r>
             <a:r>
-              <a:rPr lang="en-US" sz="1600" b="1" err="1">
+              <a:rPr lang="en-US" sz="1600" b="1" dirty="0" err="1">
                 <a:effectLst/>
                 <a:latin typeface="Times New Roman" panose="02020603050405020304" pitchFamily="18" charset="0"/>
                 <a:ea typeface="Aptos" panose="020B0004020202020204" pitchFamily="34" charset="0"/>
@@ -7681,7 +7994,7 @@
               <a:t>Nuplazid</a:t>
             </a:r>
             <a:r>
-              <a:rPr lang="en-US" sz="1600">
+              <a:rPr lang="en-US" sz="1600" dirty="0">
                 <a:effectLst/>
                 <a:latin typeface="Times New Roman" panose="02020603050405020304" pitchFamily="18" charset="0"/>
                 <a:ea typeface="Aptos" panose="020B0004020202020204" pitchFamily="34" charset="0"/>
@@ -7690,7 +8003,7 @@
               <a:t>, and </a:t>
             </a:r>
             <a:r>
-              <a:rPr lang="en-US" sz="1600" b="1">
+              <a:rPr lang="en-US" sz="1600" b="1" dirty="0">
                 <a:effectLst/>
                 <a:latin typeface="Times New Roman" panose="02020603050405020304" pitchFamily="18" charset="0"/>
                 <a:ea typeface="Aptos" panose="020B0004020202020204" pitchFamily="34" charset="0"/>
@@ -7699,7 +8012,7 @@
               <a:t>Dapagliflozin</a:t>
             </a:r>
             <a:r>
-              <a:rPr lang="en-US" sz="1600">
+              <a:rPr lang="en-US" sz="1600" dirty="0">
                 <a:latin typeface="Times New Roman" panose="02020603050405020304" pitchFamily="18" charset="0"/>
                 <a:ea typeface="Aptos" panose="020B0004020202020204" pitchFamily="34" charset="0"/>
                 <a:cs typeface="Times New Roman" panose="02020603050405020304" pitchFamily="18" charset="0"/>
@@ -7707,7 +8020,7 @@
               <a:t> </a:t>
             </a:r>
             <a:r>
-              <a:rPr lang="en-US" sz="1600">
+              <a:rPr lang="en-US" sz="1600" dirty="0">
                 <a:effectLst/>
                 <a:latin typeface="Times New Roman" panose="02020603050405020304" pitchFamily="18" charset="0"/>
                 <a:ea typeface="Aptos" panose="020B0004020202020204" pitchFamily="34" charset="0"/>
@@ -7716,7 +8029,7 @@
               <a:t>were most </a:t>
             </a:r>
             <a:r>
-              <a:rPr lang="en-US" sz="1600" b="1">
+              <a:rPr lang="en-US" sz="1600" b="1" dirty="0">
                 <a:effectLst/>
                 <a:latin typeface="Times New Roman" panose="02020603050405020304" pitchFamily="18" charset="0"/>
                 <a:ea typeface="Aptos" panose="020B0004020202020204" pitchFamily="34" charset="0"/>
@@ -7725,7 +8038,7 @@
               <a:t>strongly associated with death</a:t>
             </a:r>
             <a:r>
-              <a:rPr lang="en-US" sz="1600">
+              <a:rPr lang="en-US" sz="1600" dirty="0">
                 <a:effectLst/>
                 <a:latin typeface="Times New Roman" panose="02020603050405020304" pitchFamily="18" charset="0"/>
                 <a:ea typeface="Aptos" panose="020B0004020202020204" pitchFamily="34" charset="0"/>
@@ -7733,7 +8046,7 @@
               </a:rPr>
               <a:t> (at least in this report data).</a:t>
             </a:r>
-            <a:endParaRPr lang="en-US" sz="1600">
+            <a:endParaRPr lang="en-US" sz="1600" dirty="0">
               <a:effectLst/>
               <a:latin typeface="Times New Roman" panose="02020603050405020304" pitchFamily="18" charset="0"/>
               <a:ea typeface="Times New Roman" panose="02020603050405020304" pitchFamily="18" charset="0"/>
@@ -7757,7 +8070,7 @@
                 <a:tab pos="4267200" algn="l"/>
               </a:tabLst>
             </a:pPr>
-            <a:endParaRPr lang="en-US" sz="1600">
+            <a:endParaRPr lang="en-US" sz="1600" dirty="0">
               <a:effectLst/>
               <a:latin typeface="Times New Roman" panose="02020603050405020304" pitchFamily="18" charset="0"/>
               <a:ea typeface="Aptos" panose="020B0004020202020204" pitchFamily="34" charset="0"/>
@@ -7782,7 +8095,7 @@
               </a:tabLst>
             </a:pPr>
             <a:r>
-              <a:rPr lang="en-US" sz="1600">
+              <a:rPr lang="en-US" sz="1600" dirty="0">
                 <a:effectLst/>
                 <a:latin typeface="Times New Roman" panose="02020603050405020304" pitchFamily="18" charset="0"/>
                 <a:ea typeface="Aptos" panose="020B0004020202020204" pitchFamily="34" charset="0"/>
@@ -7790,7 +8103,7 @@
               </a:rPr>
               <a:t>Drugs with Strong Negative Coefficients (↓ Death Odds):</a:t>
             </a:r>
-            <a:endParaRPr lang="en-US" sz="1600">
+            <a:endParaRPr lang="en-US" sz="1600" dirty="0">
               <a:effectLst/>
               <a:latin typeface="Times New Roman" panose="02020603050405020304" pitchFamily="18" charset="0"/>
               <a:ea typeface="Times New Roman" panose="02020603050405020304" pitchFamily="18" charset="0"/>
@@ -7817,7 +8130,7 @@
               </a:tabLst>
             </a:pPr>
             <a:r>
-              <a:rPr lang="en-US" sz="1600" b="1" err="1">
+              <a:rPr lang="en-US" sz="1600" b="1" dirty="0" err="1">
                 <a:effectLst/>
                 <a:latin typeface="Times New Roman" panose="02020603050405020304" pitchFamily="18" charset="0"/>
                 <a:ea typeface="Aptos" panose="020B0004020202020204" pitchFamily="34" charset="0"/>
@@ -7826,7 +8139,7 @@
               <a:t>Inflectra</a:t>
             </a:r>
             <a:r>
-              <a:rPr lang="en-US" sz="1600">
+              <a:rPr lang="en-US" sz="1600" dirty="0">
                 <a:effectLst/>
                 <a:latin typeface="Times New Roman" panose="02020603050405020304" pitchFamily="18" charset="0"/>
                 <a:ea typeface="Aptos" panose="020B0004020202020204" pitchFamily="34" charset="0"/>
@@ -7835,7 +8148,7 @@
               <a:t>, </a:t>
             </a:r>
             <a:r>
-              <a:rPr lang="en-US" sz="1600" b="1">
+              <a:rPr lang="en-US" sz="1600" b="1" dirty="0">
                 <a:latin typeface="Times New Roman" panose="02020603050405020304" pitchFamily="18" charset="0"/>
                 <a:ea typeface="Aptos" panose="020B0004020202020204" pitchFamily="34" charset="0"/>
                 <a:cs typeface="Times New Roman" panose="02020603050405020304" pitchFamily="18" charset="0"/>
@@ -7843,7 +8156,7 @@
               <a:t>Vedolizumab</a:t>
             </a:r>
             <a:r>
-              <a:rPr lang="en-US" sz="1600">
+              <a:rPr lang="en-US" sz="1600" dirty="0">
                 <a:latin typeface="Times New Roman" panose="02020603050405020304" pitchFamily="18" charset="0"/>
                 <a:ea typeface="Aptos" panose="020B0004020202020204" pitchFamily="34" charset="0"/>
                 <a:cs typeface="Times New Roman" panose="02020603050405020304" pitchFamily="18" charset="0"/>
@@ -7851,7 +8164,7 @@
               <a:t>, and </a:t>
             </a:r>
             <a:r>
-              <a:rPr lang="en-US" sz="1600" b="1">
+              <a:rPr lang="en-US" sz="1600" b="1" dirty="0">
                 <a:latin typeface="Times New Roman" panose="02020603050405020304" pitchFamily="18" charset="0"/>
                 <a:ea typeface="Aptos" panose="020B0004020202020204" pitchFamily="34" charset="0"/>
                 <a:cs typeface="Times New Roman" panose="02020603050405020304" pitchFamily="18" charset="0"/>
@@ -7859,7 +8172,7 @@
               <a:t>Dupixent</a:t>
             </a:r>
             <a:r>
-              <a:rPr lang="en-US" sz="1600">
+              <a:rPr lang="en-US" sz="1600" dirty="0">
                 <a:latin typeface="Times New Roman" panose="02020603050405020304" pitchFamily="18" charset="0"/>
                 <a:ea typeface="Aptos" panose="020B0004020202020204" pitchFamily="34" charset="0"/>
                 <a:cs typeface="Times New Roman" panose="02020603050405020304" pitchFamily="18" charset="0"/>
@@ -7867,7 +8180,7 @@
               <a:t> were </a:t>
             </a:r>
             <a:r>
-              <a:rPr lang="en-US" sz="1600" b="1">
+              <a:rPr lang="en-US" sz="1600" b="1" dirty="0">
                 <a:effectLst/>
                 <a:latin typeface="Times New Roman" panose="02020603050405020304" pitchFamily="18" charset="0"/>
                 <a:ea typeface="Aptos" panose="020B0004020202020204" pitchFamily="34" charset="0"/>
@@ -7876,7 +8189,7 @@
               <a:t>associated with lower death odds</a:t>
             </a:r>
             <a:r>
-              <a:rPr lang="en-US" sz="1600">
+              <a:rPr lang="en-US" sz="1600" dirty="0">
                 <a:effectLst/>
                 <a:latin typeface="Times New Roman" panose="02020603050405020304" pitchFamily="18" charset="0"/>
                 <a:ea typeface="Aptos" panose="020B0004020202020204" pitchFamily="34" charset="0"/>
@@ -7884,7 +8197,7 @@
               </a:rPr>
               <a:t> in your dataset.</a:t>
             </a:r>
-            <a:endParaRPr lang="en-US" sz="1600">
+            <a:endParaRPr lang="en-US" sz="1600" dirty="0">
               <a:latin typeface="Times New Roman" panose="02020603050405020304" pitchFamily="18" charset="0"/>
               <a:ea typeface="Aptos" panose="020B0004020202020204" pitchFamily="34" charset="0"/>
               <a:cs typeface="Times New Roman" panose="02020603050405020304" pitchFamily="18" charset="0"/>
@@ -7910,7 +8223,7 @@
               </a:tabLst>
             </a:pPr>
             <a:r>
-              <a:rPr lang="en-US" sz="1600">
+              <a:rPr lang="en-US" sz="1600" dirty="0">
                 <a:effectLst/>
                 <a:latin typeface="Times New Roman" panose="02020603050405020304" pitchFamily="18" charset="0"/>
                 <a:ea typeface="Aptos" panose="020B0004020202020204" pitchFamily="34" charset="0"/>
@@ -7918,216 +8231,10 @@
               </a:rPr>
               <a:t>Model found them more often in non-death cases</a:t>
             </a:r>
-            <a:endParaRPr lang="en-US" sz="1600">
+            <a:endParaRPr lang="en-US" sz="1600" dirty="0">
               <a:effectLst/>
               <a:latin typeface="Times New Roman" panose="02020603050405020304" pitchFamily="18" charset="0"/>
               <a:ea typeface="Times New Roman" panose="02020603050405020304" pitchFamily="18" charset="0"/>
-              <a:cs typeface="Times New Roman" panose="02020603050405020304" pitchFamily="18" charset="0"/>
-            </a:endParaRPr>
-          </a:p>
-          <a:p>
-            <a:pPr marR="0">
-              <a:tabLst>
-                <a:tab pos="355600" algn="l"/>
-                <a:tab pos="711200" algn="l"/>
-                <a:tab pos="1066800" algn="l"/>
-                <a:tab pos="1422400" algn="l"/>
-                <a:tab pos="1778000" algn="l"/>
-                <a:tab pos="2133600" algn="l"/>
-                <a:tab pos="2489200" algn="l"/>
-                <a:tab pos="2844800" algn="l"/>
-                <a:tab pos="3200400" algn="l"/>
-                <a:tab pos="3556000" algn="l"/>
-                <a:tab pos="3911600" algn="l"/>
-                <a:tab pos="4267200" algn="l"/>
-              </a:tabLst>
-            </a:pPr>
-            <a:endParaRPr lang="en-US" sz="1600" b="1">
-              <a:effectLst/>
-              <a:latin typeface="Times New Roman" panose="02020603050405020304" pitchFamily="18" charset="0"/>
-              <a:ea typeface="Aptos" panose="020B0004020202020204" pitchFamily="34" charset="0"/>
-              <a:cs typeface="Times New Roman" panose="02020603050405020304" pitchFamily="18" charset="0"/>
-            </a:endParaRPr>
-          </a:p>
-          <a:p>
-            <a:pPr marR="0">
-              <a:tabLst>
-                <a:tab pos="355600" algn="l"/>
-                <a:tab pos="711200" algn="l"/>
-                <a:tab pos="1066800" algn="l"/>
-                <a:tab pos="1422400" algn="l"/>
-                <a:tab pos="1778000" algn="l"/>
-                <a:tab pos="2133600" algn="l"/>
-                <a:tab pos="2489200" algn="l"/>
-                <a:tab pos="2844800" algn="l"/>
-                <a:tab pos="3200400" algn="l"/>
-                <a:tab pos="3556000" algn="l"/>
-                <a:tab pos="3911600" algn="l"/>
-                <a:tab pos="4267200" algn="l"/>
-              </a:tabLst>
-            </a:pPr>
-            <a:r>
-              <a:rPr lang="en-US" sz="1600" b="1">
-                <a:effectLst/>
-                <a:latin typeface="Times New Roman" panose="02020603050405020304" pitchFamily="18" charset="0"/>
-                <a:ea typeface="Aptos" panose="020B0004020202020204" pitchFamily="34" charset="0"/>
-                <a:cs typeface="Times New Roman" panose="02020603050405020304" pitchFamily="18" charset="0"/>
-              </a:rPr>
-              <a:t>Disclaimer:</a:t>
-            </a:r>
-            <a:endParaRPr lang="en-US" sz="1600" b="1">
-              <a:effectLst/>
-              <a:latin typeface="Times New Roman" panose="02020603050405020304" pitchFamily="18" charset="0"/>
-              <a:ea typeface="Times New Roman" panose="02020603050405020304" pitchFamily="18" charset="0"/>
-              <a:cs typeface="Times New Roman" panose="02020603050405020304" pitchFamily="18" charset="0"/>
-            </a:endParaRPr>
-          </a:p>
-          <a:p>
-            <a:pPr marR="0">
-              <a:tabLst>
-                <a:tab pos="355600" algn="l"/>
-                <a:tab pos="711200" algn="l"/>
-                <a:tab pos="1066800" algn="l"/>
-                <a:tab pos="1422400" algn="l"/>
-                <a:tab pos="1778000" algn="l"/>
-                <a:tab pos="2133600" algn="l"/>
-                <a:tab pos="2489200" algn="l"/>
-                <a:tab pos="2844800" algn="l"/>
-                <a:tab pos="3200400" algn="l"/>
-                <a:tab pos="3556000" algn="l"/>
-                <a:tab pos="3911600" algn="l"/>
-                <a:tab pos="4267200" algn="l"/>
-              </a:tabLst>
-            </a:pPr>
-            <a:r>
-              <a:rPr lang="en-US" sz="1600">
-                <a:effectLst/>
-                <a:latin typeface="Times New Roman" panose="02020603050405020304" pitchFamily="18" charset="0"/>
-                <a:ea typeface="Aptos" panose="020B0004020202020204" pitchFamily="34" charset="0"/>
-                <a:cs typeface="Times New Roman" panose="02020603050405020304" pitchFamily="18" charset="0"/>
-              </a:rPr>
-              <a:t>These are </a:t>
-            </a:r>
-            <a:r>
-              <a:rPr lang="en-US" sz="1600" b="1">
-                <a:effectLst/>
-                <a:latin typeface="Times New Roman" panose="02020603050405020304" pitchFamily="18" charset="0"/>
-                <a:ea typeface="Aptos" panose="020B0004020202020204" pitchFamily="34" charset="0"/>
-                <a:cs typeface="Times New Roman" panose="02020603050405020304" pitchFamily="18" charset="0"/>
-              </a:rPr>
-              <a:t>associations</a:t>
-            </a:r>
-            <a:r>
-              <a:rPr lang="en-US" sz="1600">
-                <a:effectLst/>
-                <a:latin typeface="Times New Roman" panose="02020603050405020304" pitchFamily="18" charset="0"/>
-                <a:ea typeface="Aptos" panose="020B0004020202020204" pitchFamily="34" charset="0"/>
-                <a:cs typeface="Times New Roman" panose="02020603050405020304" pitchFamily="18" charset="0"/>
-              </a:rPr>
-              <a:t>, not causation. It’s possible:</a:t>
-            </a:r>
-            <a:endParaRPr lang="en-US" sz="1600">
-              <a:effectLst/>
-              <a:latin typeface="Times New Roman" panose="02020603050405020304" pitchFamily="18" charset="0"/>
-              <a:ea typeface="Times New Roman" panose="02020603050405020304" pitchFamily="18" charset="0"/>
-              <a:cs typeface="Times New Roman" panose="02020603050405020304" pitchFamily="18" charset="0"/>
-            </a:endParaRPr>
-          </a:p>
-          <a:p>
-            <a:pPr marL="285750" marR="0" indent="-285750">
-              <a:buFont typeface="Arial" panose="020B0604020202020204" pitchFamily="34" charset="0"/>
-              <a:buChar char="•"/>
-              <a:tabLst>
-                <a:tab pos="355600" algn="l"/>
-                <a:tab pos="711200" algn="l"/>
-                <a:tab pos="1066800" algn="l"/>
-                <a:tab pos="1422400" algn="l"/>
-                <a:tab pos="1778000" algn="l"/>
-                <a:tab pos="2133600" algn="l"/>
-                <a:tab pos="2489200" algn="l"/>
-                <a:tab pos="2844800" algn="l"/>
-                <a:tab pos="3200400" algn="l"/>
-                <a:tab pos="3556000" algn="l"/>
-                <a:tab pos="3911600" algn="l"/>
-                <a:tab pos="4267200" algn="l"/>
-              </a:tabLst>
-            </a:pPr>
-            <a:r>
-              <a:rPr lang="en-US" sz="1600">
-                <a:effectLst/>
-                <a:latin typeface="Times New Roman" panose="02020603050405020304" pitchFamily="18" charset="0"/>
-                <a:ea typeface="Aptos" panose="020B0004020202020204" pitchFamily="34" charset="0"/>
-                <a:cs typeface="Times New Roman" panose="02020603050405020304" pitchFamily="18" charset="0"/>
-              </a:rPr>
-              <a:t>Deaths are more commonly reported with certain drugs due to the conditions they treat (e.g., cancer vs. allergy).</a:t>
-            </a:r>
-            <a:endParaRPr lang="en-US" sz="1600">
-              <a:latin typeface="Times New Roman" panose="02020603050405020304" pitchFamily="18" charset="0"/>
-              <a:ea typeface="Aptos" panose="020B0004020202020204" pitchFamily="34" charset="0"/>
-              <a:cs typeface="Times New Roman" panose="02020603050405020304" pitchFamily="18" charset="0"/>
-            </a:endParaRPr>
-          </a:p>
-          <a:p>
-            <a:pPr marL="285750" marR="0" indent="-285750">
-              <a:buFont typeface="Arial" panose="020B0604020202020204" pitchFamily="34" charset="0"/>
-              <a:buChar char="•"/>
-              <a:tabLst>
-                <a:tab pos="355600" algn="l"/>
-                <a:tab pos="711200" algn="l"/>
-                <a:tab pos="1066800" algn="l"/>
-                <a:tab pos="1422400" algn="l"/>
-                <a:tab pos="1778000" algn="l"/>
-                <a:tab pos="2133600" algn="l"/>
-                <a:tab pos="2489200" algn="l"/>
-                <a:tab pos="2844800" algn="l"/>
-                <a:tab pos="3200400" algn="l"/>
-                <a:tab pos="3556000" algn="l"/>
-                <a:tab pos="3911600" algn="l"/>
-                <a:tab pos="4267200" algn="l"/>
-              </a:tabLst>
-            </a:pPr>
-            <a:r>
-              <a:rPr lang="en-US" sz="1600">
-                <a:effectLst/>
-                <a:latin typeface="Times New Roman" panose="02020603050405020304" pitchFamily="18" charset="0"/>
-                <a:ea typeface="Aptos" panose="020B0004020202020204" pitchFamily="34" charset="0"/>
-                <a:cs typeface="Times New Roman" panose="02020603050405020304" pitchFamily="18" charset="0"/>
-              </a:rPr>
-              <a:t>Some drugs appear “safer” because they’re used in healthier populations.</a:t>
-            </a:r>
-            <a:endParaRPr lang="en-US" sz="1600">
-              <a:latin typeface="Times New Roman" panose="02020603050405020304" pitchFamily="18" charset="0"/>
-              <a:ea typeface="Times New Roman" panose="02020603050405020304" pitchFamily="18" charset="0"/>
-              <a:cs typeface="Times New Roman" panose="02020603050405020304" pitchFamily="18" charset="0"/>
-            </a:endParaRPr>
-          </a:p>
-          <a:p>
-            <a:pPr marL="0" marR="0">
-              <a:tabLst>
-                <a:tab pos="355600" algn="l"/>
-                <a:tab pos="711200" algn="l"/>
-                <a:tab pos="1066800" algn="l"/>
-                <a:tab pos="1422400" algn="l"/>
-                <a:tab pos="1778000" algn="l"/>
-                <a:tab pos="2133600" algn="l"/>
-                <a:tab pos="2489200" algn="l"/>
-                <a:tab pos="2844800" algn="l"/>
-                <a:tab pos="3200400" algn="l"/>
-                <a:tab pos="3556000" algn="l"/>
-                <a:tab pos="3911600" algn="l"/>
-                <a:tab pos="4267200" algn="l"/>
-              </a:tabLst>
-            </a:pPr>
-            <a:endParaRPr lang="en-US" sz="1600">
-              <a:effectLst/>
-              <a:latin typeface="Times New Roman" panose="02020603050405020304" pitchFamily="18" charset="0"/>
-              <a:ea typeface="Times New Roman" panose="02020603050405020304" pitchFamily="18" charset="0"/>
-              <a:cs typeface="Times New Roman" panose="02020603050405020304" pitchFamily="18" charset="0"/>
-            </a:endParaRPr>
-          </a:p>
-          <a:p>
-            <a:endParaRPr lang="en-US" sz="1600">
-              <a:latin typeface="Times New Roman" panose="02020603050405020304" pitchFamily="18" charset="0"/>
               <a:cs typeface="Times New Roman" panose="02020603050405020304" pitchFamily="18" charset="0"/>
             </a:endParaRPr>
           </a:p>
@@ -8146,7 +8253,7 @@
 </p:sld>
 </file>
 
-<file path=ppt/slides/slide13.xml><?xml version="1.0" encoding="utf-8"?>
+<file path=ppt/slides/slide14.xml><?xml version="1.0" encoding="utf-8"?>
 <p:sld xmlns:a="http://schemas.openxmlformats.org/drawingml/2006/main" xmlns:r="http://schemas.openxmlformats.org/officeDocument/2006/relationships" xmlns:p="http://schemas.openxmlformats.org/presentationml/2006/main">
   <p:cSld>
     <p:spTree>
@@ -8459,7 +8566,7 @@
 </p:sld>
 </file>
 
-<file path=ppt/slides/slide14.xml><?xml version="1.0" encoding="utf-8"?>
+<file path=ppt/slides/slide15.xml><?xml version="1.0" encoding="utf-8"?>
 <p:sld xmlns:a="http://schemas.openxmlformats.org/drawingml/2006/main" xmlns:r="http://schemas.openxmlformats.org/officeDocument/2006/relationships" xmlns:p="http://schemas.openxmlformats.org/presentationml/2006/main">
   <p:cSld>
     <p:spTree>
@@ -8550,7 +8657,7 @@
 </p:sld>
 </file>
 
-<file path=ppt/slides/slide15.xml><?xml version="1.0" encoding="utf-8"?>
+<file path=ppt/slides/slide16.xml><?xml version="1.0" encoding="utf-8"?>
 <p:sld xmlns:a="http://schemas.openxmlformats.org/drawingml/2006/main" xmlns:r="http://schemas.openxmlformats.org/officeDocument/2006/relationships" xmlns:p="http://schemas.openxmlformats.org/presentationml/2006/main">
   <p:cSld>
     <p:spTree>
@@ -8882,7 +8989,7 @@
           <p:cNvPr id="2" name="Title 1">
             <a:extLst>
               <a:ext uri="{FF2B5EF4-FFF2-40B4-BE49-F238E27FC236}">
-                <a16:creationId xmlns:a16="http://schemas.microsoft.com/office/drawing/2014/main" id="{EC393AAB-B9E1-B8EF-B8E9-23F72AFF1F3E}"/>
+                <a16:creationId xmlns:a16="http://schemas.microsoft.com/office/drawing/2014/main" id="{B54DF978-4330-0AC9-5F17-4C6254690362}"/>
               </a:ext>
             </a:extLst>
           </p:cNvPr>
@@ -8899,11 +9006,8 @@
           <a:lstStyle/>
           <a:p>
             <a:r>
-              <a:rPr lang="en-US" cap="none" dirty="0">
-                <a:latin typeface="Times New Roman" panose="02020603050405020304" pitchFamily="18" charset="0"/>
-                <a:cs typeface="Times New Roman" panose="02020603050405020304" pitchFamily="18" charset="0"/>
-              </a:rPr>
-              <a:t>Dataset</a:t>
+              <a:rPr lang="en-US" dirty="0"/>
+              <a:t>Disclaimer</a:t>
             </a:r>
           </a:p>
         </p:txBody>
@@ -8913,7 +9017,7 @@
           <p:cNvPr id="3" name="Content Placeholder 2">
             <a:extLst>
               <a:ext uri="{FF2B5EF4-FFF2-40B4-BE49-F238E27FC236}">
-                <a16:creationId xmlns:a16="http://schemas.microsoft.com/office/drawing/2014/main" id="{00CAAE8B-FC55-879E-C333-F019178A7AD8}"/>
+                <a16:creationId xmlns:a16="http://schemas.microsoft.com/office/drawing/2014/main" id="{61E83DB1-16C7-C2F8-FCF2-C6FD7F4CDEAB}"/>
               </a:ext>
             </a:extLst>
           </p:cNvPr>
@@ -8926,304 +9030,136 @@
         </p:nvSpPr>
         <p:spPr/>
         <p:txBody>
-          <a:bodyPr>
-            <a:normAutofit fontScale="70000" lnSpcReduction="20000"/>
-          </a:bodyPr>
+          <a:bodyPr/>
           <a:lstStyle/>
           <a:p>
-            <a:r>
-              <a:rPr lang="en-US" sz="2700">
-                <a:latin typeface="Times New Roman" panose="02020603050405020304" pitchFamily="18" charset="0"/>
-              </a:rPr>
-              <a:t>This is only the last Quarter of 2024</a:t>
-            </a:r>
-          </a:p>
-          <a:p>
-            <a:r>
-              <a:rPr lang="en-US" sz="2700">
-                <a:latin typeface="Times New Roman" panose="02020603050405020304" pitchFamily="18" charset="0"/>
-                <a:cs typeface="Times New Roman" panose="02020603050405020304" pitchFamily="18" charset="0"/>
-              </a:rPr>
-              <a:t>There are 6 datasets in this database:</a:t>
-            </a:r>
-          </a:p>
-          <a:p>
-            <a:pPr lvl="1"/>
-            <a:r>
-              <a:rPr lang="en-US" sz="2700" kern="0">
-                <a:latin typeface="Times New Roman" panose="02020603050405020304" pitchFamily="18" charset="0"/>
-                <a:ea typeface="Times New Roman" panose="02020603050405020304" pitchFamily="18" charset="0"/>
-                <a:cs typeface="Times New Roman" panose="02020603050405020304" pitchFamily="18" charset="0"/>
-              </a:rPr>
-              <a:t>D</a:t>
-            </a:r>
-            <a:r>
-              <a:rPr lang="en-US" sz="2700" kern="0">
-                <a:effectLst/>
-                <a:latin typeface="Times New Roman" panose="02020603050405020304" pitchFamily="18" charset="0"/>
-                <a:ea typeface="Times New Roman" panose="02020603050405020304" pitchFamily="18" charset="0"/>
-                <a:cs typeface="Times New Roman" panose="02020603050405020304" pitchFamily="18" charset="0"/>
-              </a:rPr>
-              <a:t>emographic and administrative information and the initial report image ID number</a:t>
-            </a:r>
-            <a:r>
-              <a:rPr lang="en-US" sz="2700">
-                <a:effectLst/>
-                <a:latin typeface="Times New Roman" panose="02020603050405020304" pitchFamily="18" charset="0"/>
-                <a:cs typeface="Times New Roman" panose="02020603050405020304" pitchFamily="18" charset="0"/>
-              </a:rPr>
-              <a:t> (</a:t>
-            </a:r>
-            <a:r>
-              <a:rPr lang="en-US" sz="2700" i="1">
-                <a:effectLst/>
-                <a:latin typeface="Times New Roman" panose="02020603050405020304" pitchFamily="18" charset="0"/>
-                <a:cs typeface="Times New Roman" panose="02020603050405020304" pitchFamily="18" charset="0"/>
-              </a:rPr>
-              <a:t>Demo</a:t>
-            </a:r>
-            <a:r>
-              <a:rPr lang="en-US" sz="2700">
-                <a:effectLst/>
-                <a:latin typeface="Times New Roman" panose="02020603050405020304" pitchFamily="18" charset="0"/>
-                <a:cs typeface="Times New Roman" panose="02020603050405020304" pitchFamily="18" charset="0"/>
-              </a:rPr>
-              <a:t>)</a:t>
-            </a:r>
-          </a:p>
-          <a:p>
-            <a:pPr lvl="1"/>
-            <a:r>
-              <a:rPr lang="en-US" sz="2700" kern="0">
-                <a:latin typeface="Times New Roman" panose="02020603050405020304" pitchFamily="18" charset="0"/>
-                <a:ea typeface="Times New Roman" panose="02020603050405020304" pitchFamily="18" charset="0"/>
-                <a:cs typeface="Times New Roman" panose="02020603050405020304" pitchFamily="18" charset="0"/>
-              </a:rPr>
-              <a:t>D</a:t>
-            </a:r>
-            <a:r>
-              <a:rPr lang="en-US" sz="2700" kern="0">
-                <a:effectLst/>
-                <a:latin typeface="Times New Roman" panose="02020603050405020304" pitchFamily="18" charset="0"/>
-                <a:ea typeface="Times New Roman" panose="02020603050405020304" pitchFamily="18" charset="0"/>
-                <a:cs typeface="Times New Roman" panose="02020603050405020304" pitchFamily="18" charset="0"/>
-              </a:rPr>
-              <a:t>rug information from the case reports</a:t>
-            </a:r>
-            <a:r>
-              <a:rPr lang="en-US" sz="2700">
-                <a:effectLst/>
-                <a:latin typeface="Times New Roman" panose="02020603050405020304" pitchFamily="18" charset="0"/>
-                <a:cs typeface="Times New Roman" panose="02020603050405020304" pitchFamily="18" charset="0"/>
-              </a:rPr>
-              <a:t> (</a:t>
-            </a:r>
-            <a:r>
-              <a:rPr lang="en-US" sz="2700" i="1">
-                <a:effectLst/>
-                <a:latin typeface="Times New Roman" panose="02020603050405020304" pitchFamily="18" charset="0"/>
-                <a:cs typeface="Times New Roman" panose="02020603050405020304" pitchFamily="18" charset="0"/>
-              </a:rPr>
-              <a:t>Drug</a:t>
-            </a:r>
-            <a:r>
-              <a:rPr lang="en-US" sz="2700">
-                <a:effectLst/>
-                <a:latin typeface="Times New Roman" panose="02020603050405020304" pitchFamily="18" charset="0"/>
-                <a:cs typeface="Times New Roman" panose="02020603050405020304" pitchFamily="18" charset="0"/>
-              </a:rPr>
-              <a:t>)</a:t>
-            </a:r>
-          </a:p>
-          <a:p>
-            <a:pPr lvl="1"/>
-            <a:r>
-              <a:rPr lang="en-US" sz="2700" kern="0">
-                <a:latin typeface="Times New Roman" panose="02020603050405020304" pitchFamily="18" charset="0"/>
-                <a:ea typeface="Times New Roman" panose="02020603050405020304" pitchFamily="18" charset="0"/>
-                <a:cs typeface="Times New Roman" panose="02020603050405020304" pitchFamily="18" charset="0"/>
-              </a:rPr>
-              <a:t>R</a:t>
-            </a:r>
-            <a:r>
-              <a:rPr lang="en-US" sz="2700" kern="0">
-                <a:effectLst/>
-                <a:latin typeface="Times New Roman" panose="02020603050405020304" pitchFamily="18" charset="0"/>
-                <a:ea typeface="Times New Roman" panose="02020603050405020304" pitchFamily="18" charset="0"/>
-                <a:cs typeface="Times New Roman" panose="02020603050405020304" pitchFamily="18" charset="0"/>
-              </a:rPr>
-              <a:t>eaction information from the reports</a:t>
-            </a:r>
-            <a:r>
-              <a:rPr lang="en-US" sz="2700">
-                <a:effectLst/>
-                <a:latin typeface="Times New Roman" panose="02020603050405020304" pitchFamily="18" charset="0"/>
-                <a:cs typeface="Times New Roman" panose="02020603050405020304" pitchFamily="18" charset="0"/>
-              </a:rPr>
-              <a:t> (</a:t>
-            </a:r>
-            <a:r>
-              <a:rPr lang="en-US" sz="2700" i="1" err="1">
-                <a:effectLst/>
-                <a:latin typeface="Times New Roman" panose="02020603050405020304" pitchFamily="18" charset="0"/>
-                <a:cs typeface="Times New Roman" panose="02020603050405020304" pitchFamily="18" charset="0"/>
-              </a:rPr>
-              <a:t>Reac</a:t>
-            </a:r>
-            <a:r>
-              <a:rPr lang="en-US" sz="2700">
-                <a:effectLst/>
-                <a:latin typeface="Times New Roman" panose="02020603050405020304" pitchFamily="18" charset="0"/>
-                <a:cs typeface="Times New Roman" panose="02020603050405020304" pitchFamily="18" charset="0"/>
-              </a:rPr>
-              <a:t>)</a:t>
-            </a:r>
-          </a:p>
-          <a:p>
-            <a:pPr lvl="1"/>
-            <a:r>
-              <a:rPr lang="en-US" sz="2700" kern="0">
-                <a:effectLst/>
-                <a:latin typeface="Times New Roman" panose="02020603050405020304" pitchFamily="18" charset="0"/>
-                <a:ea typeface="Times New Roman" panose="02020603050405020304" pitchFamily="18" charset="0"/>
-                <a:cs typeface="Times New Roman" panose="02020603050405020304" pitchFamily="18" charset="0"/>
-              </a:rPr>
-              <a:t>Patient outcome information from the reports</a:t>
-            </a:r>
-            <a:r>
-              <a:rPr lang="en-US" sz="2700">
-                <a:effectLst/>
-                <a:latin typeface="Times New Roman" panose="02020603050405020304" pitchFamily="18" charset="0"/>
-                <a:cs typeface="Times New Roman" panose="02020603050405020304" pitchFamily="18" charset="0"/>
-              </a:rPr>
-              <a:t> (</a:t>
-            </a:r>
-            <a:r>
-              <a:rPr lang="en-US" sz="2700" i="1" err="1">
-                <a:effectLst/>
-                <a:latin typeface="Times New Roman" panose="02020603050405020304" pitchFamily="18" charset="0"/>
-                <a:cs typeface="Times New Roman" panose="02020603050405020304" pitchFamily="18" charset="0"/>
-              </a:rPr>
-              <a:t>Outc</a:t>
-            </a:r>
-            <a:r>
-              <a:rPr lang="en-US" sz="2700">
-                <a:effectLst/>
-                <a:latin typeface="Times New Roman" panose="02020603050405020304" pitchFamily="18" charset="0"/>
-                <a:cs typeface="Times New Roman" panose="02020603050405020304" pitchFamily="18" charset="0"/>
-              </a:rPr>
-              <a:t>)</a:t>
-            </a:r>
-          </a:p>
-          <a:p>
-            <a:pPr lvl="1"/>
-            <a:r>
-              <a:rPr lang="en-US" sz="2700">
-                <a:latin typeface="Times New Roman" panose="02020603050405020304" pitchFamily="18" charset="0"/>
-                <a:cs typeface="Times New Roman" panose="02020603050405020304" pitchFamily="18" charset="0"/>
-              </a:rPr>
-              <a:t>Information on the source of the reports (</a:t>
-            </a:r>
-            <a:r>
-              <a:rPr lang="en-US" sz="2700" i="1" err="1">
-                <a:latin typeface="Times New Roman" panose="02020603050405020304" pitchFamily="18" charset="0"/>
-                <a:cs typeface="Times New Roman" panose="02020603050405020304" pitchFamily="18" charset="0"/>
-              </a:rPr>
-              <a:t>Rpsr</a:t>
-            </a:r>
-            <a:r>
-              <a:rPr lang="en-US" sz="2700">
-                <a:latin typeface="Times New Roman" panose="02020603050405020304" pitchFamily="18" charset="0"/>
-                <a:cs typeface="Times New Roman" panose="02020603050405020304" pitchFamily="18" charset="0"/>
-              </a:rPr>
-              <a:t>)</a:t>
-            </a:r>
-          </a:p>
-          <a:p>
-            <a:pPr lvl="1"/>
-            <a:r>
-              <a:rPr lang="en-US" sz="2700">
-                <a:latin typeface="Times New Roman" panose="02020603050405020304" pitchFamily="18" charset="0"/>
-                <a:cs typeface="Times New Roman" panose="02020603050405020304" pitchFamily="18" charset="0"/>
-              </a:rPr>
-              <a:t>Drug therapy start dates and end dates from the reports (</a:t>
-            </a:r>
-            <a:r>
-              <a:rPr lang="en-US" sz="2700" i="1" err="1">
-                <a:latin typeface="Times New Roman" panose="02020603050405020304" pitchFamily="18" charset="0"/>
-                <a:cs typeface="Times New Roman" panose="02020603050405020304" pitchFamily="18" charset="0"/>
-              </a:rPr>
-              <a:t>Ther</a:t>
-            </a:r>
-            <a:r>
-              <a:rPr lang="en-US" sz="2700">
-                <a:latin typeface="Times New Roman" panose="02020603050405020304" pitchFamily="18" charset="0"/>
-                <a:cs typeface="Times New Roman" panose="02020603050405020304" pitchFamily="18" charset="0"/>
-              </a:rPr>
-              <a:t>)</a:t>
-            </a:r>
-          </a:p>
-          <a:p>
-            <a:r>
-              <a:rPr lang="en-US" sz="3000">
-                <a:latin typeface="Times New Roman" panose="02020603050405020304" pitchFamily="18" charset="0"/>
-                <a:cs typeface="Times New Roman" panose="02020603050405020304" pitchFamily="18" charset="0"/>
-              </a:rPr>
-              <a:t>Only wanted to focus on </a:t>
-            </a:r>
-            <a:r>
-              <a:rPr lang="en-US" sz="3000" i="1">
-                <a:latin typeface="Times New Roman" panose="02020603050405020304" pitchFamily="18" charset="0"/>
-                <a:cs typeface="Times New Roman" panose="02020603050405020304" pitchFamily="18" charset="0"/>
-              </a:rPr>
-              <a:t>Drug</a:t>
-            </a:r>
-            <a:r>
-              <a:rPr lang="en-US" sz="3000">
-                <a:latin typeface="Times New Roman" panose="02020603050405020304" pitchFamily="18" charset="0"/>
-                <a:cs typeface="Times New Roman" panose="02020603050405020304" pitchFamily="18" charset="0"/>
-              </a:rPr>
-              <a:t>, </a:t>
-            </a:r>
-            <a:r>
-              <a:rPr lang="en-US" sz="3000" i="1" err="1">
-                <a:latin typeface="Times New Roman" panose="02020603050405020304" pitchFamily="18" charset="0"/>
-                <a:cs typeface="Times New Roman" panose="02020603050405020304" pitchFamily="18" charset="0"/>
-              </a:rPr>
-              <a:t>Reac</a:t>
-            </a:r>
-            <a:r>
-              <a:rPr lang="en-US" sz="3000" i="1">
-                <a:latin typeface="Times New Roman" panose="02020603050405020304" pitchFamily="18" charset="0"/>
-                <a:cs typeface="Times New Roman" panose="02020603050405020304" pitchFamily="18" charset="0"/>
-              </a:rPr>
-              <a:t>,</a:t>
-            </a:r>
-            <a:r>
-              <a:rPr lang="en-US" sz="3000">
-                <a:latin typeface="Times New Roman" panose="02020603050405020304" pitchFamily="18" charset="0"/>
-                <a:cs typeface="Times New Roman" panose="02020603050405020304" pitchFamily="18" charset="0"/>
-              </a:rPr>
-              <a:t> and </a:t>
-            </a:r>
-            <a:r>
-              <a:rPr lang="en-US" sz="3000" i="1" err="1">
-                <a:latin typeface="Times New Roman" panose="02020603050405020304" pitchFamily="18" charset="0"/>
-                <a:cs typeface="Times New Roman" panose="02020603050405020304" pitchFamily="18" charset="0"/>
-              </a:rPr>
-              <a:t>Outc</a:t>
-            </a:r>
-            <a:endParaRPr lang="en-US" sz="3000" i="1">
+            <a:pPr marR="0">
+              <a:tabLst>
+                <a:tab pos="355600" algn="l"/>
+                <a:tab pos="711200" algn="l"/>
+                <a:tab pos="1066800" algn="l"/>
+                <a:tab pos="1422400" algn="l"/>
+                <a:tab pos="1778000" algn="l"/>
+                <a:tab pos="2133600" algn="l"/>
+                <a:tab pos="2489200" algn="l"/>
+                <a:tab pos="2844800" algn="l"/>
+                <a:tab pos="3200400" algn="l"/>
+                <a:tab pos="3556000" algn="l"/>
+                <a:tab pos="3911600" algn="l"/>
+                <a:tab pos="4267200" algn="l"/>
+              </a:tabLst>
+            </a:pPr>
+            <a:r>
+              <a:rPr lang="en-US" sz="1800" dirty="0">
+                <a:effectLst/>
+                <a:latin typeface="Times New Roman" panose="02020603050405020304" pitchFamily="18" charset="0"/>
+                <a:ea typeface="Aptos" panose="020B0004020202020204" pitchFamily="34" charset="0"/>
+                <a:cs typeface="Times New Roman" panose="02020603050405020304" pitchFamily="18" charset="0"/>
+              </a:rPr>
+              <a:t>These are </a:t>
+            </a:r>
+            <a:r>
+              <a:rPr lang="en-US" sz="1800" b="1" dirty="0">
+                <a:effectLst/>
+                <a:latin typeface="Times New Roman" panose="02020603050405020304" pitchFamily="18" charset="0"/>
+                <a:ea typeface="Aptos" panose="020B0004020202020204" pitchFamily="34" charset="0"/>
+                <a:cs typeface="Times New Roman" panose="02020603050405020304" pitchFamily="18" charset="0"/>
+              </a:rPr>
+              <a:t>associations</a:t>
+            </a:r>
+            <a:r>
+              <a:rPr lang="en-US" sz="1800" dirty="0">
+                <a:effectLst/>
+                <a:latin typeface="Times New Roman" panose="02020603050405020304" pitchFamily="18" charset="0"/>
+                <a:ea typeface="Aptos" panose="020B0004020202020204" pitchFamily="34" charset="0"/>
+                <a:cs typeface="Times New Roman" panose="02020603050405020304" pitchFamily="18" charset="0"/>
+              </a:rPr>
+              <a:t>, not causation. It’s possible:</a:t>
+            </a:r>
+            <a:endParaRPr lang="en-US" sz="1800" dirty="0">
+              <a:effectLst/>
               <a:latin typeface="Times New Roman" panose="02020603050405020304" pitchFamily="18" charset="0"/>
+              <a:ea typeface="Times New Roman" panose="02020603050405020304" pitchFamily="18" charset="0"/>
               <a:cs typeface="Times New Roman" panose="02020603050405020304" pitchFamily="18" charset="0"/>
             </a:endParaRPr>
+          </a:p>
+          <a:p>
+            <a:pPr marL="285750" marR="0" indent="-285750">
+              <a:buFont typeface="Arial" panose="020B0604020202020204" pitchFamily="34" charset="0"/>
+              <a:buChar char="•"/>
+              <a:tabLst>
+                <a:tab pos="355600" algn="l"/>
+                <a:tab pos="711200" algn="l"/>
+                <a:tab pos="1066800" algn="l"/>
+                <a:tab pos="1422400" algn="l"/>
+                <a:tab pos="1778000" algn="l"/>
+                <a:tab pos="2133600" algn="l"/>
+                <a:tab pos="2489200" algn="l"/>
+                <a:tab pos="2844800" algn="l"/>
+                <a:tab pos="3200400" algn="l"/>
+                <a:tab pos="3556000" algn="l"/>
+                <a:tab pos="3911600" algn="l"/>
+                <a:tab pos="4267200" algn="l"/>
+              </a:tabLst>
+            </a:pPr>
+            <a:r>
+              <a:rPr lang="en-US" sz="1800" dirty="0">
+                <a:effectLst/>
+                <a:latin typeface="Times New Roman" panose="02020603050405020304" pitchFamily="18" charset="0"/>
+                <a:ea typeface="Aptos" panose="020B0004020202020204" pitchFamily="34" charset="0"/>
+                <a:cs typeface="Times New Roman" panose="02020603050405020304" pitchFamily="18" charset="0"/>
+              </a:rPr>
+              <a:t>Deaths are more commonly reported with certain drugs due to the conditions they treat (e.g., cancer vs. allergy).</a:t>
+            </a:r>
+            <a:endParaRPr lang="en-US" sz="1800" dirty="0">
+              <a:latin typeface="Times New Roman" panose="02020603050405020304" pitchFamily="18" charset="0"/>
+              <a:ea typeface="Aptos" panose="020B0004020202020204" pitchFamily="34" charset="0"/>
+              <a:cs typeface="Times New Roman" panose="02020603050405020304" pitchFamily="18" charset="0"/>
+            </a:endParaRPr>
+          </a:p>
+          <a:p>
+            <a:pPr marL="285750" marR="0" indent="-285750">
+              <a:buFont typeface="Arial" panose="020B0604020202020204" pitchFamily="34" charset="0"/>
+              <a:buChar char="•"/>
+              <a:tabLst>
+                <a:tab pos="355600" algn="l"/>
+                <a:tab pos="711200" algn="l"/>
+                <a:tab pos="1066800" algn="l"/>
+                <a:tab pos="1422400" algn="l"/>
+                <a:tab pos="1778000" algn="l"/>
+                <a:tab pos="2133600" algn="l"/>
+                <a:tab pos="2489200" algn="l"/>
+                <a:tab pos="2844800" algn="l"/>
+                <a:tab pos="3200400" algn="l"/>
+                <a:tab pos="3556000" algn="l"/>
+                <a:tab pos="3911600" algn="l"/>
+                <a:tab pos="4267200" algn="l"/>
+              </a:tabLst>
+            </a:pPr>
+            <a:r>
+              <a:rPr lang="en-US" sz="1800" dirty="0">
+                <a:effectLst/>
+                <a:latin typeface="Times New Roman" panose="02020603050405020304" pitchFamily="18" charset="0"/>
+                <a:ea typeface="Aptos" panose="020B0004020202020204" pitchFamily="34" charset="0"/>
+                <a:cs typeface="Times New Roman" panose="02020603050405020304" pitchFamily="18" charset="0"/>
+              </a:rPr>
+              <a:t>Some drugs appear “safer” because they’re used in healthier populations.</a:t>
+            </a:r>
+            <a:endParaRPr lang="en-US" sz="1800" dirty="0">
+              <a:latin typeface="Times New Roman" panose="02020603050405020304" pitchFamily="18" charset="0"/>
+              <a:ea typeface="Times New Roman" panose="02020603050405020304" pitchFamily="18" charset="0"/>
+              <a:cs typeface="Times New Roman" panose="02020603050405020304" pitchFamily="18" charset="0"/>
+            </a:endParaRPr>
+          </a:p>
+          <a:p>
+            <a:endParaRPr lang="en-US" dirty="0"/>
           </a:p>
         </p:txBody>
       </p:sp>
     </p:spTree>
     <p:extLst>
       <p:ext uri="{BB962C8B-B14F-4D97-AF65-F5344CB8AC3E}">
-        <p14:creationId xmlns:p14="http://schemas.microsoft.com/office/powerpoint/2010/main" val="766095878"/>
+        <p14:creationId xmlns:p14="http://schemas.microsoft.com/office/powerpoint/2010/main" val="1696038974"/>
       </p:ext>
     </p:extLst>
   </p:cSld>
@@ -9236,15 +9172,6 @@
 <file path=ppt/slides/slide4.xml><?xml version="1.0" encoding="utf-8"?>
 <p:sld xmlns:a="http://schemas.openxmlformats.org/drawingml/2006/main" xmlns:r="http://schemas.openxmlformats.org/officeDocument/2006/relationships" xmlns:p="http://schemas.openxmlformats.org/presentationml/2006/main">
   <p:cSld>
-    <p:bg>
-      <p:bgPr>
-        <a:blipFill>
-          <a:blip r:embed="rId2"/>
-          <a:stretch/>
-        </a:blipFill>
-        <a:effectLst/>
-      </p:bgPr>
-    </p:bg>
     <p:spTree>
       <p:nvGrpSpPr>
         <p:cNvPr id="1" name=""/>
@@ -9264,7 +9191,7 @@
           <p:cNvPr id="2" name="Title 1">
             <a:extLst>
               <a:ext uri="{FF2B5EF4-FFF2-40B4-BE49-F238E27FC236}">
-                <a16:creationId xmlns:a16="http://schemas.microsoft.com/office/drawing/2014/main" id="{C3D8DCA8-BE09-3B1F-EA6A-4DB803479257}"/>
+                <a16:creationId xmlns:a16="http://schemas.microsoft.com/office/drawing/2014/main" id="{EC393AAB-B9E1-B8EF-B8E9-23F72AFF1F3E}"/>
               </a:ext>
             </a:extLst>
           </p:cNvPr>
@@ -9275,16 +9202,9 @@
             <p:ph type="title"/>
           </p:nvPr>
         </p:nvSpPr>
-        <p:spPr>
-          <a:xfrm>
-            <a:off x="442447" y="658915"/>
-            <a:ext cx="6593075" cy="1612490"/>
-          </a:xfrm>
-        </p:spPr>
-        <p:txBody>
-          <a:bodyPr>
-            <a:normAutofit/>
-          </a:bodyPr>
+        <p:spPr/>
+        <p:txBody>
+          <a:bodyPr/>
           <a:lstStyle/>
           <a:p>
             <a:r>
@@ -9292,49 +9212,20 @@
                 <a:latin typeface="Times New Roman" panose="02020603050405020304" pitchFamily="18" charset="0"/>
                 <a:cs typeface="Times New Roman" panose="02020603050405020304" pitchFamily="18" charset="0"/>
               </a:rPr>
-              <a:t>Purpose Of Project</a:t>
-            </a:r>
-          </a:p>
-        </p:txBody>
-      </p:sp>
-      <p:pic>
-        <p:nvPicPr>
-          <p:cNvPr id="5" name="Picture 4" descr="Colorful pills stacked to make a bar graph">
+              <a:t>Dataset</a:t>
+            </a:r>
+          </a:p>
+        </p:txBody>
+      </p:sp>
+      <p:sp>
+        <p:nvSpPr>
+          <p:cNvPr id="3" name="Content Placeholder 2">
             <a:extLst>
               <a:ext uri="{FF2B5EF4-FFF2-40B4-BE49-F238E27FC236}">
-                <a16:creationId xmlns:a16="http://schemas.microsoft.com/office/drawing/2014/main" id="{8098A630-2D60-957C-339D-858826AB8DE9}"/>
+                <a16:creationId xmlns:a16="http://schemas.microsoft.com/office/drawing/2014/main" id="{00CAAE8B-FC55-879E-C333-F019178A7AD8}"/>
               </a:ext>
             </a:extLst>
           </p:cNvPr>
-          <p:cNvPicPr>
-            <a:picLocks noChangeAspect="1"/>
-          </p:cNvPicPr>
-          <p:nvPr/>
-        </p:nvPicPr>
-        <p:blipFill>
-          <a:blip r:embed="rId3"/>
-          <a:srcRect l="36301" r="17224" b="-1"/>
-          <a:stretch/>
-        </p:blipFill>
-        <p:spPr>
-          <a:xfrm>
-            <a:off x="7556012" y="0"/>
-            <a:ext cx="4635988" cy="6858000"/>
-          </a:xfrm>
-          <a:prstGeom prst="rect">
-            <a:avLst/>
-          </a:prstGeom>
-        </p:spPr>
-      </p:pic>
-      <p:sp>
-        <p:nvSpPr>
-          <p:cNvPr id="3" name="Content Placeholder 2">
-            <a:extLst>
-              <a:ext uri="{FF2B5EF4-FFF2-40B4-BE49-F238E27FC236}">
-                <a16:creationId xmlns:a16="http://schemas.microsoft.com/office/drawing/2014/main" id="{D5191B87-03C0-4432-C87C-1600B2D1F233}"/>
-              </a:ext>
-            </a:extLst>
-          </p:cNvPr>
           <p:cNvSpPr>
             <a:spLocks noGrp="1"/>
           </p:cNvSpPr>
@@ -9342,89 +9233,306 @@
             <p:ph idx="1"/>
           </p:nvPr>
         </p:nvSpPr>
-        <p:spPr>
-          <a:xfrm>
-            <a:off x="462344" y="2271405"/>
-            <a:ext cx="6593075" cy="3972232"/>
-          </a:xfrm>
-        </p:spPr>
+        <p:spPr/>
         <p:txBody>
           <a:bodyPr>
-            <a:normAutofit/>
+            <a:normAutofit fontScale="70000" lnSpcReduction="20000"/>
           </a:bodyPr>
           <a:lstStyle/>
           <a:p>
-            <a:pPr marL="0" indent="0">
-              <a:buNone/>
-            </a:pPr>
-            <a:r>
-              <a:rPr lang="en-US">
-                <a:effectLst/>
-                <a:latin typeface="Times New Roman" panose="02020603050405020304" pitchFamily="18" charset="0"/>
-              </a:rPr>
-              <a:t>The purpose of this project is to analyze adverse drug reactions in the fourth quarter of 2024. This analysis aims to:</a:t>
-            </a:r>
-          </a:p>
-          <a:p>
-            <a:pPr marL="457200" lvl="1" indent="0">
-              <a:buNone/>
-            </a:pPr>
-            <a:r>
-              <a:rPr lang="en-US">
-                <a:effectLst/>
-                <a:latin typeface="Times New Roman" panose="02020603050405020304" pitchFamily="18" charset="0"/>
-              </a:rPr>
-              <a:t>1. Identify patterns and trends in adverse reactions related to various drugs</a:t>
-            </a:r>
-          </a:p>
-          <a:p>
-            <a:pPr marL="457200" lvl="1" indent="0">
-              <a:buNone/>
-            </a:pPr>
-            <a:r>
-              <a:rPr lang="en-US">
-                <a:effectLst/>
-                <a:latin typeface="Times New Roman" panose="02020603050405020304" pitchFamily="18" charset="0"/>
-              </a:rPr>
-              <a:t>2. Determine which drugs are associated with severe or common adverse reactions</a:t>
-            </a:r>
-          </a:p>
-          <a:p>
-            <a:pPr marL="457200" lvl="1" indent="0">
-              <a:buNone/>
-            </a:pPr>
-            <a:r>
-              <a:rPr lang="en-US">
-                <a:effectLst/>
-                <a:latin typeface="Times New Roman" panose="02020603050405020304" pitchFamily="18" charset="0"/>
-              </a:rPr>
-              <a:t>3. Examine demographic factors that may influence the likelihood or severity of reported reactions</a:t>
-            </a:r>
-          </a:p>
-          <a:p>
-            <a:pPr marL="457200" lvl="1" indent="0">
-              <a:buNone/>
-            </a:pPr>
-            <a:r>
-              <a:rPr lang="en-US">
-                <a:effectLst/>
-                <a:latin typeface="Times New Roman" panose="02020603050405020304" pitchFamily="18" charset="0"/>
-              </a:rPr>
-              <a:t>4. Provide insights for healthcare professionals and regulatory agencies to improve drug safety and post-market surveillance.</a:t>
-            </a:r>
-          </a:p>
-          <a:p>
-            <a:pPr marL="0" indent="0">
-              <a:buNone/>
-            </a:pPr>
-            <a:endParaRPr lang="en-US"/>
+            <a:r>
+              <a:rPr lang="en-US" sz="2700">
+                <a:latin typeface="Times New Roman" panose="02020603050405020304" pitchFamily="18" charset="0"/>
+              </a:rPr>
+              <a:t>This is only the last Quarter of 2024</a:t>
+            </a:r>
+          </a:p>
+          <a:p>
+            <a:r>
+              <a:rPr lang="en-US" sz="2700">
+                <a:latin typeface="Times New Roman" panose="02020603050405020304" pitchFamily="18" charset="0"/>
+                <a:cs typeface="Times New Roman" panose="02020603050405020304" pitchFamily="18" charset="0"/>
+              </a:rPr>
+              <a:t>There are 6 datasets in this database:</a:t>
+            </a:r>
+          </a:p>
+          <a:p>
+            <a:pPr lvl="1"/>
+            <a:r>
+              <a:rPr lang="en-US" sz="2700" kern="0">
+                <a:latin typeface="Times New Roman" panose="02020603050405020304" pitchFamily="18" charset="0"/>
+                <a:ea typeface="Times New Roman" panose="02020603050405020304" pitchFamily="18" charset="0"/>
+                <a:cs typeface="Times New Roman" panose="02020603050405020304" pitchFamily="18" charset="0"/>
+              </a:rPr>
+              <a:t>D</a:t>
+            </a:r>
+            <a:r>
+              <a:rPr lang="en-US" sz="2700" kern="0">
+                <a:effectLst/>
+                <a:latin typeface="Times New Roman" panose="02020603050405020304" pitchFamily="18" charset="0"/>
+                <a:ea typeface="Times New Roman" panose="02020603050405020304" pitchFamily="18" charset="0"/>
+                <a:cs typeface="Times New Roman" panose="02020603050405020304" pitchFamily="18" charset="0"/>
+              </a:rPr>
+              <a:t>emographic and administrative information and the initial report image ID number</a:t>
+            </a:r>
+            <a:r>
+              <a:rPr lang="en-US" sz="2700">
+                <a:effectLst/>
+                <a:latin typeface="Times New Roman" panose="02020603050405020304" pitchFamily="18" charset="0"/>
+                <a:cs typeface="Times New Roman" panose="02020603050405020304" pitchFamily="18" charset="0"/>
+              </a:rPr>
+              <a:t> (</a:t>
+            </a:r>
+            <a:r>
+              <a:rPr lang="en-US" sz="2700" i="1">
+                <a:effectLst/>
+                <a:latin typeface="Times New Roman" panose="02020603050405020304" pitchFamily="18" charset="0"/>
+                <a:cs typeface="Times New Roman" panose="02020603050405020304" pitchFamily="18" charset="0"/>
+              </a:rPr>
+              <a:t>Demo</a:t>
+            </a:r>
+            <a:r>
+              <a:rPr lang="en-US" sz="2700">
+                <a:effectLst/>
+                <a:latin typeface="Times New Roman" panose="02020603050405020304" pitchFamily="18" charset="0"/>
+                <a:cs typeface="Times New Roman" panose="02020603050405020304" pitchFamily="18" charset="0"/>
+              </a:rPr>
+              <a:t>)</a:t>
+            </a:r>
+          </a:p>
+          <a:p>
+            <a:pPr lvl="1"/>
+            <a:r>
+              <a:rPr lang="en-US" sz="2700" kern="0">
+                <a:latin typeface="Times New Roman" panose="02020603050405020304" pitchFamily="18" charset="0"/>
+                <a:ea typeface="Times New Roman" panose="02020603050405020304" pitchFamily="18" charset="0"/>
+                <a:cs typeface="Times New Roman" panose="02020603050405020304" pitchFamily="18" charset="0"/>
+              </a:rPr>
+              <a:t>D</a:t>
+            </a:r>
+            <a:r>
+              <a:rPr lang="en-US" sz="2700" kern="0">
+                <a:effectLst/>
+                <a:latin typeface="Times New Roman" panose="02020603050405020304" pitchFamily="18" charset="0"/>
+                <a:ea typeface="Times New Roman" panose="02020603050405020304" pitchFamily="18" charset="0"/>
+                <a:cs typeface="Times New Roman" panose="02020603050405020304" pitchFamily="18" charset="0"/>
+              </a:rPr>
+              <a:t>rug information from the case reports</a:t>
+            </a:r>
+            <a:r>
+              <a:rPr lang="en-US" sz="2700">
+                <a:effectLst/>
+                <a:latin typeface="Times New Roman" panose="02020603050405020304" pitchFamily="18" charset="0"/>
+                <a:cs typeface="Times New Roman" panose="02020603050405020304" pitchFamily="18" charset="0"/>
+              </a:rPr>
+              <a:t> (</a:t>
+            </a:r>
+            <a:r>
+              <a:rPr lang="en-US" sz="2700" i="1">
+                <a:effectLst/>
+                <a:latin typeface="Times New Roman" panose="02020603050405020304" pitchFamily="18" charset="0"/>
+                <a:cs typeface="Times New Roman" panose="02020603050405020304" pitchFamily="18" charset="0"/>
+              </a:rPr>
+              <a:t>Drug</a:t>
+            </a:r>
+            <a:r>
+              <a:rPr lang="en-US" sz="2700">
+                <a:effectLst/>
+                <a:latin typeface="Times New Roman" panose="02020603050405020304" pitchFamily="18" charset="0"/>
+                <a:cs typeface="Times New Roman" panose="02020603050405020304" pitchFamily="18" charset="0"/>
+              </a:rPr>
+              <a:t>)</a:t>
+            </a:r>
+          </a:p>
+          <a:p>
+            <a:pPr lvl="1"/>
+            <a:r>
+              <a:rPr lang="en-US" sz="2700" kern="0">
+                <a:latin typeface="Times New Roman" panose="02020603050405020304" pitchFamily="18" charset="0"/>
+                <a:ea typeface="Times New Roman" panose="02020603050405020304" pitchFamily="18" charset="0"/>
+                <a:cs typeface="Times New Roman" panose="02020603050405020304" pitchFamily="18" charset="0"/>
+              </a:rPr>
+              <a:t>R</a:t>
+            </a:r>
+            <a:r>
+              <a:rPr lang="en-US" sz="2700" kern="0">
+                <a:effectLst/>
+                <a:latin typeface="Times New Roman" panose="02020603050405020304" pitchFamily="18" charset="0"/>
+                <a:ea typeface="Times New Roman" panose="02020603050405020304" pitchFamily="18" charset="0"/>
+                <a:cs typeface="Times New Roman" panose="02020603050405020304" pitchFamily="18" charset="0"/>
+              </a:rPr>
+              <a:t>eaction information from the reports</a:t>
+            </a:r>
+            <a:r>
+              <a:rPr lang="en-US" sz="2700">
+                <a:effectLst/>
+                <a:latin typeface="Times New Roman" panose="02020603050405020304" pitchFamily="18" charset="0"/>
+                <a:cs typeface="Times New Roman" panose="02020603050405020304" pitchFamily="18" charset="0"/>
+              </a:rPr>
+              <a:t> (</a:t>
+            </a:r>
+            <a:r>
+              <a:rPr lang="en-US" sz="2700" i="1" err="1">
+                <a:effectLst/>
+                <a:latin typeface="Times New Roman" panose="02020603050405020304" pitchFamily="18" charset="0"/>
+                <a:cs typeface="Times New Roman" panose="02020603050405020304" pitchFamily="18" charset="0"/>
+              </a:rPr>
+              <a:t>Reac</a:t>
+            </a:r>
+            <a:r>
+              <a:rPr lang="en-US" sz="2700">
+                <a:effectLst/>
+                <a:latin typeface="Times New Roman" panose="02020603050405020304" pitchFamily="18" charset="0"/>
+                <a:cs typeface="Times New Roman" panose="02020603050405020304" pitchFamily="18" charset="0"/>
+              </a:rPr>
+              <a:t>)</a:t>
+            </a:r>
+          </a:p>
+          <a:p>
+            <a:pPr lvl="1"/>
+            <a:r>
+              <a:rPr lang="en-US" sz="2700" kern="0">
+                <a:effectLst/>
+                <a:latin typeface="Times New Roman" panose="02020603050405020304" pitchFamily="18" charset="0"/>
+                <a:ea typeface="Times New Roman" panose="02020603050405020304" pitchFamily="18" charset="0"/>
+                <a:cs typeface="Times New Roman" panose="02020603050405020304" pitchFamily="18" charset="0"/>
+              </a:rPr>
+              <a:t>Patient outcome information from the reports</a:t>
+            </a:r>
+            <a:r>
+              <a:rPr lang="en-US" sz="2700">
+                <a:effectLst/>
+                <a:latin typeface="Times New Roman" panose="02020603050405020304" pitchFamily="18" charset="0"/>
+                <a:cs typeface="Times New Roman" panose="02020603050405020304" pitchFamily="18" charset="0"/>
+              </a:rPr>
+              <a:t> (</a:t>
+            </a:r>
+            <a:r>
+              <a:rPr lang="en-US" sz="2700" i="1" err="1">
+                <a:effectLst/>
+                <a:latin typeface="Times New Roman" panose="02020603050405020304" pitchFamily="18" charset="0"/>
+                <a:cs typeface="Times New Roman" panose="02020603050405020304" pitchFamily="18" charset="0"/>
+              </a:rPr>
+              <a:t>Outc</a:t>
+            </a:r>
+            <a:r>
+              <a:rPr lang="en-US" sz="2700">
+                <a:effectLst/>
+                <a:latin typeface="Times New Roman" panose="02020603050405020304" pitchFamily="18" charset="0"/>
+                <a:cs typeface="Times New Roman" panose="02020603050405020304" pitchFamily="18" charset="0"/>
+              </a:rPr>
+              <a:t>)</a:t>
+            </a:r>
+          </a:p>
+          <a:p>
+            <a:pPr lvl="1"/>
+            <a:r>
+              <a:rPr lang="en-US" sz="2700">
+                <a:latin typeface="Times New Roman" panose="02020603050405020304" pitchFamily="18" charset="0"/>
+                <a:cs typeface="Times New Roman" panose="02020603050405020304" pitchFamily="18" charset="0"/>
+              </a:rPr>
+              <a:t>Information on the source of the reports (</a:t>
+            </a:r>
+            <a:r>
+              <a:rPr lang="en-US" sz="2700" i="1" err="1">
+                <a:latin typeface="Times New Roman" panose="02020603050405020304" pitchFamily="18" charset="0"/>
+                <a:cs typeface="Times New Roman" panose="02020603050405020304" pitchFamily="18" charset="0"/>
+              </a:rPr>
+              <a:t>Rpsr</a:t>
+            </a:r>
+            <a:r>
+              <a:rPr lang="en-US" sz="2700">
+                <a:latin typeface="Times New Roman" panose="02020603050405020304" pitchFamily="18" charset="0"/>
+                <a:cs typeface="Times New Roman" panose="02020603050405020304" pitchFamily="18" charset="0"/>
+              </a:rPr>
+              <a:t>)</a:t>
+            </a:r>
+          </a:p>
+          <a:p>
+            <a:pPr lvl="1"/>
+            <a:r>
+              <a:rPr lang="en-US" sz="2700">
+                <a:latin typeface="Times New Roman" panose="02020603050405020304" pitchFamily="18" charset="0"/>
+                <a:cs typeface="Times New Roman" panose="02020603050405020304" pitchFamily="18" charset="0"/>
+              </a:rPr>
+              <a:t>Drug therapy start dates and end dates from the reports (</a:t>
+            </a:r>
+            <a:r>
+              <a:rPr lang="en-US" sz="2700" i="1" err="1">
+                <a:latin typeface="Times New Roman" panose="02020603050405020304" pitchFamily="18" charset="0"/>
+                <a:cs typeface="Times New Roman" panose="02020603050405020304" pitchFamily="18" charset="0"/>
+              </a:rPr>
+              <a:t>Ther</a:t>
+            </a:r>
+            <a:r>
+              <a:rPr lang="en-US" sz="2700">
+                <a:latin typeface="Times New Roman" panose="02020603050405020304" pitchFamily="18" charset="0"/>
+                <a:cs typeface="Times New Roman" panose="02020603050405020304" pitchFamily="18" charset="0"/>
+              </a:rPr>
+              <a:t>)</a:t>
+            </a:r>
+          </a:p>
+          <a:p>
+            <a:r>
+              <a:rPr lang="en-US" sz="3000">
+                <a:latin typeface="Times New Roman" panose="02020603050405020304" pitchFamily="18" charset="0"/>
+                <a:cs typeface="Times New Roman" panose="02020603050405020304" pitchFamily="18" charset="0"/>
+              </a:rPr>
+              <a:t>Only wanted to focus on </a:t>
+            </a:r>
+            <a:r>
+              <a:rPr lang="en-US" sz="3000" i="1">
+                <a:latin typeface="Times New Roman" panose="02020603050405020304" pitchFamily="18" charset="0"/>
+                <a:cs typeface="Times New Roman" panose="02020603050405020304" pitchFamily="18" charset="0"/>
+              </a:rPr>
+              <a:t>Drug</a:t>
+            </a:r>
+            <a:r>
+              <a:rPr lang="en-US" sz="3000">
+                <a:latin typeface="Times New Roman" panose="02020603050405020304" pitchFamily="18" charset="0"/>
+                <a:cs typeface="Times New Roman" panose="02020603050405020304" pitchFamily="18" charset="0"/>
+              </a:rPr>
+              <a:t>, </a:t>
+            </a:r>
+            <a:r>
+              <a:rPr lang="en-US" sz="3000" i="1" err="1">
+                <a:latin typeface="Times New Roman" panose="02020603050405020304" pitchFamily="18" charset="0"/>
+                <a:cs typeface="Times New Roman" panose="02020603050405020304" pitchFamily="18" charset="0"/>
+              </a:rPr>
+              <a:t>Reac</a:t>
+            </a:r>
+            <a:r>
+              <a:rPr lang="en-US" sz="3000" i="1">
+                <a:latin typeface="Times New Roman" panose="02020603050405020304" pitchFamily="18" charset="0"/>
+                <a:cs typeface="Times New Roman" panose="02020603050405020304" pitchFamily="18" charset="0"/>
+              </a:rPr>
+              <a:t>,</a:t>
+            </a:r>
+            <a:r>
+              <a:rPr lang="en-US" sz="3000">
+                <a:latin typeface="Times New Roman" panose="02020603050405020304" pitchFamily="18" charset="0"/>
+                <a:cs typeface="Times New Roman" panose="02020603050405020304" pitchFamily="18" charset="0"/>
+              </a:rPr>
+              <a:t> and </a:t>
+            </a:r>
+            <a:r>
+              <a:rPr lang="en-US" sz="3000" i="1" err="1">
+                <a:latin typeface="Times New Roman" panose="02020603050405020304" pitchFamily="18" charset="0"/>
+                <a:cs typeface="Times New Roman" panose="02020603050405020304" pitchFamily="18" charset="0"/>
+              </a:rPr>
+              <a:t>Outc</a:t>
+            </a:r>
+            <a:endParaRPr lang="en-US" sz="3000" i="1">
+              <a:latin typeface="Times New Roman" panose="02020603050405020304" pitchFamily="18" charset="0"/>
+              <a:cs typeface="Times New Roman" panose="02020603050405020304" pitchFamily="18" charset="0"/>
+            </a:endParaRPr>
           </a:p>
         </p:txBody>
       </p:sp>
     </p:spTree>
     <p:extLst>
       <p:ext uri="{BB962C8B-B14F-4D97-AF65-F5344CB8AC3E}">
-        <p14:creationId xmlns:p14="http://schemas.microsoft.com/office/powerpoint/2010/main" val="2227390921"/>
+        <p14:creationId xmlns:p14="http://schemas.microsoft.com/office/powerpoint/2010/main" val="766095878"/>
       </p:ext>
     </p:extLst>
   </p:cSld>
@@ -9460,6 +9568,207 @@
           <a:chExt cx="0" cy="0"/>
         </a:xfrm>
       </p:grpSpPr>
+      <p:sp>
+        <p:nvSpPr>
+          <p:cNvPr id="2" name="Title 1">
+            <a:extLst>
+              <a:ext uri="{FF2B5EF4-FFF2-40B4-BE49-F238E27FC236}">
+                <a16:creationId xmlns:a16="http://schemas.microsoft.com/office/drawing/2014/main" id="{C3D8DCA8-BE09-3B1F-EA6A-4DB803479257}"/>
+              </a:ext>
+            </a:extLst>
+          </p:cNvPr>
+          <p:cNvSpPr>
+            <a:spLocks noGrp="1"/>
+          </p:cNvSpPr>
+          <p:nvPr>
+            <p:ph type="title"/>
+          </p:nvPr>
+        </p:nvSpPr>
+        <p:spPr>
+          <a:xfrm>
+            <a:off x="442447" y="658915"/>
+            <a:ext cx="6593075" cy="1612490"/>
+          </a:xfrm>
+        </p:spPr>
+        <p:txBody>
+          <a:bodyPr>
+            <a:normAutofit/>
+          </a:bodyPr>
+          <a:lstStyle/>
+          <a:p>
+            <a:r>
+              <a:rPr lang="en-US" cap="none" dirty="0">
+                <a:latin typeface="Times New Roman" panose="02020603050405020304" pitchFamily="18" charset="0"/>
+                <a:cs typeface="Times New Roman" panose="02020603050405020304" pitchFamily="18" charset="0"/>
+              </a:rPr>
+              <a:t>Purpose Of Project</a:t>
+            </a:r>
+          </a:p>
+        </p:txBody>
+      </p:sp>
+      <p:pic>
+        <p:nvPicPr>
+          <p:cNvPr id="5" name="Picture 4" descr="Colorful pills stacked to make a bar graph">
+            <a:extLst>
+              <a:ext uri="{FF2B5EF4-FFF2-40B4-BE49-F238E27FC236}">
+                <a16:creationId xmlns:a16="http://schemas.microsoft.com/office/drawing/2014/main" id="{8098A630-2D60-957C-339D-858826AB8DE9}"/>
+              </a:ext>
+            </a:extLst>
+          </p:cNvPr>
+          <p:cNvPicPr>
+            <a:picLocks noChangeAspect="1"/>
+          </p:cNvPicPr>
+          <p:nvPr/>
+        </p:nvPicPr>
+        <p:blipFill>
+          <a:blip r:embed="rId3"/>
+          <a:srcRect l="36301" r="17224" b="-1"/>
+          <a:stretch/>
+        </p:blipFill>
+        <p:spPr>
+          <a:xfrm>
+            <a:off x="7556012" y="0"/>
+            <a:ext cx="4635988" cy="6858000"/>
+          </a:xfrm>
+          <a:prstGeom prst="rect">
+            <a:avLst/>
+          </a:prstGeom>
+        </p:spPr>
+      </p:pic>
+      <p:sp>
+        <p:nvSpPr>
+          <p:cNvPr id="3" name="Content Placeholder 2">
+            <a:extLst>
+              <a:ext uri="{FF2B5EF4-FFF2-40B4-BE49-F238E27FC236}">
+                <a16:creationId xmlns:a16="http://schemas.microsoft.com/office/drawing/2014/main" id="{D5191B87-03C0-4432-C87C-1600B2D1F233}"/>
+              </a:ext>
+            </a:extLst>
+          </p:cNvPr>
+          <p:cNvSpPr>
+            <a:spLocks noGrp="1"/>
+          </p:cNvSpPr>
+          <p:nvPr>
+            <p:ph idx="1"/>
+          </p:nvPr>
+        </p:nvSpPr>
+        <p:spPr>
+          <a:xfrm>
+            <a:off x="462344" y="2271405"/>
+            <a:ext cx="6593075" cy="3972232"/>
+          </a:xfrm>
+        </p:spPr>
+        <p:txBody>
+          <a:bodyPr>
+            <a:normAutofit/>
+          </a:bodyPr>
+          <a:lstStyle/>
+          <a:p>
+            <a:pPr marL="0" indent="0">
+              <a:buNone/>
+            </a:pPr>
+            <a:r>
+              <a:rPr lang="en-US">
+                <a:effectLst/>
+                <a:latin typeface="Times New Roman" panose="02020603050405020304" pitchFamily="18" charset="0"/>
+              </a:rPr>
+              <a:t>The purpose of this project is to analyze adverse drug reactions in the fourth quarter of 2024. This analysis aims to:</a:t>
+            </a:r>
+          </a:p>
+          <a:p>
+            <a:pPr marL="457200" lvl="1" indent="0">
+              <a:buNone/>
+            </a:pPr>
+            <a:r>
+              <a:rPr lang="en-US">
+                <a:effectLst/>
+                <a:latin typeface="Times New Roman" panose="02020603050405020304" pitchFamily="18" charset="0"/>
+              </a:rPr>
+              <a:t>1. Identify patterns and trends in adverse reactions related to various drugs</a:t>
+            </a:r>
+          </a:p>
+          <a:p>
+            <a:pPr marL="457200" lvl="1" indent="0">
+              <a:buNone/>
+            </a:pPr>
+            <a:r>
+              <a:rPr lang="en-US">
+                <a:effectLst/>
+                <a:latin typeface="Times New Roman" panose="02020603050405020304" pitchFamily="18" charset="0"/>
+              </a:rPr>
+              <a:t>2. Determine which drugs are associated with severe or common adverse reactions</a:t>
+            </a:r>
+          </a:p>
+          <a:p>
+            <a:pPr marL="457200" lvl="1" indent="0">
+              <a:buNone/>
+            </a:pPr>
+            <a:r>
+              <a:rPr lang="en-US">
+                <a:effectLst/>
+                <a:latin typeface="Times New Roman" panose="02020603050405020304" pitchFamily="18" charset="0"/>
+              </a:rPr>
+              <a:t>3. Examine demographic factors that may influence the likelihood or severity of reported reactions</a:t>
+            </a:r>
+          </a:p>
+          <a:p>
+            <a:pPr marL="457200" lvl="1" indent="0">
+              <a:buNone/>
+            </a:pPr>
+            <a:r>
+              <a:rPr lang="en-US">
+                <a:effectLst/>
+                <a:latin typeface="Times New Roman" panose="02020603050405020304" pitchFamily="18" charset="0"/>
+              </a:rPr>
+              <a:t>4. Provide insights for healthcare professionals and regulatory agencies to improve drug safety and post-market surveillance.</a:t>
+            </a:r>
+          </a:p>
+          <a:p>
+            <a:pPr marL="0" indent="0">
+              <a:buNone/>
+            </a:pPr>
+            <a:endParaRPr lang="en-US"/>
+          </a:p>
+        </p:txBody>
+      </p:sp>
+    </p:spTree>
+    <p:extLst>
+      <p:ext uri="{BB962C8B-B14F-4D97-AF65-F5344CB8AC3E}">
+        <p14:creationId xmlns:p14="http://schemas.microsoft.com/office/powerpoint/2010/main" val="2227390921"/>
+      </p:ext>
+    </p:extLst>
+  </p:cSld>
+  <p:clrMapOvr>
+    <a:masterClrMapping/>
+  </p:clrMapOvr>
+</p:sld>
+</file>
+
+<file path=ppt/slides/slide6.xml><?xml version="1.0" encoding="utf-8"?>
+<p:sld xmlns:a="http://schemas.openxmlformats.org/drawingml/2006/main" xmlns:r="http://schemas.openxmlformats.org/officeDocument/2006/relationships" xmlns:p="http://schemas.openxmlformats.org/presentationml/2006/main">
+  <p:cSld>
+    <p:bg>
+      <p:bgPr>
+        <a:blipFill>
+          <a:blip r:embed="rId2"/>
+          <a:stretch/>
+        </a:blipFill>
+        <a:effectLst/>
+      </p:bgPr>
+    </p:bg>
+    <p:spTree>
+      <p:nvGrpSpPr>
+        <p:cNvPr id="1" name=""/>
+        <p:cNvGrpSpPr/>
+        <p:nvPr/>
+      </p:nvGrpSpPr>
+      <p:grpSpPr>
+        <a:xfrm>
+          <a:off x="0" y="0"/>
+          <a:ext cx="0" cy="0"/>
+          <a:chOff x="0" y="0"/>
+          <a:chExt cx="0" cy="0"/>
+        </a:xfrm>
+      </p:grpSpPr>
       <p:sp useBgFill="1">
         <p:nvSpPr>
           <p:cNvPr id="29" name="Rectangle 28">
@@ -9782,7 +10091,7 @@
 </p:sld>
 </file>
 
-<file path=ppt/slides/slide6.xml><?xml version="1.0" encoding="utf-8"?>
+<file path=ppt/slides/slide7.xml><?xml version="1.0" encoding="utf-8"?>
 <p:sld xmlns:a="http://schemas.openxmlformats.org/drawingml/2006/main" xmlns:r="http://schemas.openxmlformats.org/officeDocument/2006/relationships" xmlns:p="http://schemas.openxmlformats.org/presentationml/2006/main">
   <p:cSld>
     <p:spTree>
@@ -10124,7 +10433,7 @@
 </p:sld>
 </file>
 
-<file path=ppt/slides/slide7.xml><?xml version="1.0" encoding="utf-8"?>
+<file path=ppt/slides/slide8.xml><?xml version="1.0" encoding="utf-8"?>
 <p:sld xmlns:a="http://schemas.openxmlformats.org/drawingml/2006/main" xmlns:r="http://schemas.openxmlformats.org/officeDocument/2006/relationships" xmlns:p="http://schemas.openxmlformats.org/presentationml/2006/main">
   <p:cSld>
     <p:spTree>
@@ -10265,7 +10574,7 @@
 </p:sld>
 </file>
 
-<file path=ppt/slides/slide8.xml><?xml version="1.0" encoding="utf-8"?>
+<file path=ppt/slides/slide9.xml><?xml version="1.0" encoding="utf-8"?>
 <p:sld xmlns:a="http://schemas.openxmlformats.org/drawingml/2006/main" xmlns:r="http://schemas.openxmlformats.org/officeDocument/2006/relationships" xmlns:p="http://schemas.openxmlformats.org/presentationml/2006/main">
   <p:cSld>
     <p:spTree>
@@ -10540,294 +10849,6 @@
     <p:extLst>
       <p:ext uri="{BB962C8B-B14F-4D97-AF65-F5344CB8AC3E}">
         <p14:creationId xmlns:p14="http://schemas.microsoft.com/office/powerpoint/2010/main" val="1837170713"/>
-      </p:ext>
-    </p:extLst>
-  </p:cSld>
-  <p:clrMapOvr>
-    <a:masterClrMapping/>
-  </p:clrMapOvr>
-</p:sld>
-</file>
-
-<file path=ppt/slides/slide9.xml><?xml version="1.0" encoding="utf-8"?>
-<p:sld xmlns:a="http://schemas.openxmlformats.org/drawingml/2006/main" xmlns:r="http://schemas.openxmlformats.org/officeDocument/2006/relationships" xmlns:p="http://schemas.openxmlformats.org/presentationml/2006/main">
-  <p:cSld>
-    <p:bg>
-      <p:bgPr>
-        <a:blipFill>
-          <a:blip r:embed="rId2"/>
-          <a:stretch/>
-        </a:blipFill>
-        <a:effectLst/>
-      </p:bgPr>
-    </p:bg>
-    <p:spTree>
-      <p:nvGrpSpPr>
-        <p:cNvPr id="1" name=""/>
-        <p:cNvGrpSpPr/>
-        <p:nvPr/>
-      </p:nvGrpSpPr>
-      <p:grpSpPr>
-        <a:xfrm>
-          <a:off x="0" y="0"/>
-          <a:ext cx="0" cy="0"/>
-          <a:chOff x="0" y="0"/>
-          <a:chExt cx="0" cy="0"/>
-        </a:xfrm>
-      </p:grpSpPr>
-      <p:sp>
-        <p:nvSpPr>
-          <p:cNvPr id="9" name="Content Placeholder 8">
-            <a:extLst>
-              <a:ext uri="{FF2B5EF4-FFF2-40B4-BE49-F238E27FC236}">
-                <a16:creationId xmlns:a16="http://schemas.microsoft.com/office/drawing/2014/main" id="{1EF39491-9A25-2AB9-0126-864B03FF711B}"/>
-              </a:ext>
-            </a:extLst>
-          </p:cNvPr>
-          <p:cNvSpPr>
-            <a:spLocks noGrp="1"/>
-          </p:cNvSpPr>
-          <p:nvPr>
-            <p:ph idx="1"/>
-          </p:nvPr>
-        </p:nvSpPr>
-        <p:spPr>
-          <a:xfrm>
-            <a:off x="8341029" y="1641987"/>
-            <a:ext cx="3706762" cy="3972232"/>
-          </a:xfrm>
-        </p:spPr>
-        <p:txBody>
-          <a:bodyPr>
-            <a:normAutofit/>
-          </a:bodyPr>
-          <a:lstStyle/>
-          <a:p>
-            <a:r>
-              <a:rPr lang="en-US" dirty="0">
-                <a:effectLst/>
-                <a:latin typeface="Times New Roman" panose="02020603050405020304" pitchFamily="18" charset="0"/>
-                <a:cs typeface="Times New Roman" panose="02020603050405020304" pitchFamily="18" charset="0"/>
-              </a:rPr>
-              <a:t>Acetaminophen (624): Toxicity to various agents</a:t>
-            </a:r>
-          </a:p>
-          <a:p>
-            <a:r>
-              <a:rPr lang="en-US" dirty="0">
-                <a:effectLst/>
-                <a:latin typeface="Times New Roman" panose="02020603050405020304" pitchFamily="18" charset="0"/>
-                <a:cs typeface="Times New Roman" panose="02020603050405020304" pitchFamily="18" charset="0"/>
-              </a:rPr>
-              <a:t>Vedolizumab (542): Off label use</a:t>
-            </a:r>
-          </a:p>
-          <a:p>
-            <a:r>
-              <a:rPr lang="en-US" dirty="0">
-                <a:latin typeface="Times New Roman" panose="02020603050405020304" pitchFamily="18" charset="0"/>
-                <a:cs typeface="Times New Roman" panose="02020603050405020304" pitchFamily="18" charset="0"/>
-              </a:rPr>
-              <a:t>Eliquis (538): Death</a:t>
-            </a:r>
-          </a:p>
-          <a:p>
-            <a:r>
-              <a:rPr lang="en-US" dirty="0">
-                <a:effectLst/>
-                <a:latin typeface="Times New Roman" panose="02020603050405020304" pitchFamily="18" charset="0"/>
-                <a:cs typeface="Times New Roman" panose="02020603050405020304" pitchFamily="18" charset="0"/>
-              </a:rPr>
-              <a:t>Clozapine (505): Neutropenia</a:t>
-            </a:r>
-          </a:p>
-          <a:p>
-            <a:r>
-              <a:rPr lang="en-US" dirty="0">
-                <a:effectLst/>
-                <a:latin typeface="Times New Roman" panose="02020603050405020304" pitchFamily="18" charset="0"/>
-                <a:cs typeface="Times New Roman" panose="02020603050405020304" pitchFamily="18" charset="0"/>
-              </a:rPr>
-              <a:t>Dapagliflozin (497): Death</a:t>
-            </a:r>
-          </a:p>
-          <a:p>
-            <a:r>
-              <a:rPr lang="en-US" dirty="0" err="1">
-                <a:latin typeface="Times New Roman" panose="02020603050405020304" pitchFamily="18" charset="0"/>
-                <a:cs typeface="Times New Roman" panose="02020603050405020304" pitchFamily="18" charset="0"/>
-              </a:rPr>
-              <a:t>Nuplazid</a:t>
-            </a:r>
-            <a:r>
-              <a:rPr lang="en-US" dirty="0">
-                <a:latin typeface="Times New Roman" panose="02020603050405020304" pitchFamily="18" charset="0"/>
-                <a:cs typeface="Times New Roman" panose="02020603050405020304" pitchFamily="18" charset="0"/>
-              </a:rPr>
-              <a:t> (410</a:t>
-            </a:r>
-            <a:r>
-              <a:rPr lang="en-US" b="1" dirty="0">
-                <a:latin typeface="Times New Roman" panose="02020603050405020304" pitchFamily="18" charset="0"/>
-                <a:cs typeface="Times New Roman" panose="02020603050405020304" pitchFamily="18" charset="0"/>
-              </a:rPr>
-              <a:t>): </a:t>
-            </a:r>
-            <a:r>
-              <a:rPr lang="en-US" dirty="0">
-                <a:latin typeface="Times New Roman" panose="02020603050405020304" pitchFamily="18" charset="0"/>
-                <a:cs typeface="Times New Roman" panose="02020603050405020304" pitchFamily="18" charset="0"/>
-              </a:rPr>
-              <a:t>Death</a:t>
-            </a:r>
-            <a:endParaRPr lang="en-US" dirty="0">
-              <a:effectLst/>
-              <a:latin typeface="Times New Roman" panose="02020603050405020304" pitchFamily="18" charset="0"/>
-              <a:cs typeface="Times New Roman" panose="02020603050405020304" pitchFamily="18" charset="0"/>
-            </a:endParaRPr>
-          </a:p>
-          <a:p>
-            <a:endParaRPr lang="en-US" b="0" dirty="0">
-              <a:effectLst/>
-              <a:latin typeface="Times New Roman" panose="02020603050405020304" pitchFamily="18" charset="0"/>
-              <a:cs typeface="Times New Roman" panose="02020603050405020304" pitchFamily="18" charset="0"/>
-            </a:endParaRPr>
-          </a:p>
-          <a:p>
-            <a:endParaRPr lang="en-US" b="0" dirty="0">
-              <a:effectLst/>
-              <a:latin typeface="Times New Roman" panose="02020603050405020304" pitchFamily="18" charset="0"/>
-              <a:cs typeface="Times New Roman" panose="02020603050405020304" pitchFamily="18" charset="0"/>
-            </a:endParaRPr>
-          </a:p>
-          <a:p>
-            <a:endParaRPr lang="en-US" dirty="0">
-              <a:latin typeface="Times New Roman" panose="02020603050405020304" pitchFamily="18" charset="0"/>
-              <a:cs typeface="Times New Roman" panose="02020603050405020304" pitchFamily="18" charset="0"/>
-            </a:endParaRPr>
-          </a:p>
-        </p:txBody>
-      </p:sp>
-      <p:pic>
-        <p:nvPicPr>
-          <p:cNvPr id="6" name="Content Placeholder 4">
-            <a:extLst>
-              <a:ext uri="{FF2B5EF4-FFF2-40B4-BE49-F238E27FC236}">
-                <a16:creationId xmlns:a16="http://schemas.microsoft.com/office/drawing/2014/main" id="{D3996250-5439-3B00-AB8E-FE9B3F928136}"/>
-              </a:ext>
-            </a:extLst>
-          </p:cNvPr>
-          <p:cNvPicPr>
-            <a:picLocks noChangeAspect="1"/>
-          </p:cNvPicPr>
-          <p:nvPr/>
-        </p:nvPicPr>
-        <p:blipFill>
-          <a:blip r:embed="rId3"/>
-          <a:stretch>
-            <a:fillRect/>
-          </a:stretch>
-        </p:blipFill>
-        <p:spPr>
-          <a:xfrm>
-            <a:off x="355035" y="619476"/>
-            <a:ext cx="7671054" cy="5619047"/>
-          </a:xfrm>
-          <a:prstGeom prst="rect">
-            <a:avLst/>
-          </a:prstGeom>
-        </p:spPr>
-      </p:pic>
-      <p:sp>
-        <p:nvSpPr>
-          <p:cNvPr id="2" name="TextBox 1">
-            <a:extLst>
-              <a:ext uri="{FF2B5EF4-FFF2-40B4-BE49-F238E27FC236}">
-                <a16:creationId xmlns:a16="http://schemas.microsoft.com/office/drawing/2014/main" id="{5D9FF954-3A93-084F-12BA-5CF6C65E30BF}"/>
-              </a:ext>
-            </a:extLst>
-          </p:cNvPr>
-          <p:cNvSpPr txBox="1"/>
-          <p:nvPr/>
-        </p:nvSpPr>
-        <p:spPr>
-          <a:xfrm>
-            <a:off x="8341029" y="5791200"/>
-            <a:ext cx="3706762" cy="646331"/>
-          </a:xfrm>
-          <a:prstGeom prst="rect">
-            <a:avLst/>
-          </a:prstGeom>
-          <a:noFill/>
-        </p:spPr>
-        <p:txBody>
-          <a:bodyPr wrap="square" rtlCol="0">
-            <a:spAutoFit/>
-          </a:bodyPr>
-          <a:lstStyle/>
-          <a:p>
-            <a:r>
-              <a:rPr lang="en-US" dirty="0">
-                <a:effectLst/>
-                <a:latin typeface="Times New Roman" panose="02020603050405020304" pitchFamily="18" charset="0"/>
-                <a:cs typeface="Times New Roman" panose="02020603050405020304" pitchFamily="18" charset="0"/>
-              </a:rPr>
-              <a:t>Neutropenia: low levels of Neutrophiles (white blood cells)</a:t>
-            </a:r>
-            <a:endParaRPr lang="en-US" dirty="0">
-              <a:latin typeface="Times New Roman" panose="02020603050405020304" pitchFamily="18" charset="0"/>
-              <a:cs typeface="Times New Roman" panose="02020603050405020304" pitchFamily="18" charset="0"/>
-            </a:endParaRPr>
-          </a:p>
-        </p:txBody>
-      </p:sp>
-      <p:sp>
-        <p:nvSpPr>
-          <p:cNvPr id="7" name="Title 1">
-            <a:extLst>
-              <a:ext uri="{FF2B5EF4-FFF2-40B4-BE49-F238E27FC236}">
-                <a16:creationId xmlns:a16="http://schemas.microsoft.com/office/drawing/2014/main" id="{CBCC9B78-C8AE-E040-7832-539E8E104F42}"/>
-              </a:ext>
-            </a:extLst>
-          </p:cNvPr>
-          <p:cNvSpPr>
-            <a:spLocks noGrp="1"/>
-          </p:cNvSpPr>
-          <p:nvPr>
-            <p:ph type="title"/>
-          </p:nvPr>
-        </p:nvSpPr>
-        <p:spPr>
-          <a:xfrm>
-            <a:off x="8696133" y="343969"/>
-            <a:ext cx="1960145" cy="803133"/>
-          </a:xfrm>
-        </p:spPr>
-        <p:txBody>
-          <a:bodyPr>
-            <a:normAutofit/>
-          </a:bodyPr>
-          <a:lstStyle/>
-          <a:p>
-            <a:r>
-              <a:rPr lang="en-US" b="0" cap="none" dirty="0">
-                <a:effectLst/>
-                <a:latin typeface="Times New Roman" panose="02020603050405020304" pitchFamily="18" charset="0"/>
-                <a:cs typeface="Times New Roman" panose="02020603050405020304" pitchFamily="18" charset="0"/>
-              </a:rPr>
-              <a:t>Heatmap</a:t>
-            </a:r>
-            <a:endParaRPr lang="en-US" cap="none" dirty="0">
-              <a:latin typeface="Times New Roman" panose="02020603050405020304" pitchFamily="18" charset="0"/>
-              <a:cs typeface="Times New Roman" panose="02020603050405020304" pitchFamily="18" charset="0"/>
-            </a:endParaRPr>
-          </a:p>
-        </p:txBody>
-      </p:sp>
-    </p:spTree>
-    <p:extLst>
-      <p:ext uri="{BB962C8B-B14F-4D97-AF65-F5344CB8AC3E}">
-        <p14:creationId xmlns:p14="http://schemas.microsoft.com/office/powerpoint/2010/main" val="376554199"/>
       </p:ext>
     </p:extLst>
   </p:cSld>
